--- a/Documentation/Formula Encylopedia 2.0 .pptx
+++ b/Documentation/Formula Encylopedia 2.0 .pptx
@@ -7,17 +7,23 @@
   <p:sldIdLst>
     <p:sldId id="256" r:id="rId2"/>
     <p:sldId id="257" r:id="rId3"/>
-    <p:sldId id="258" r:id="rId4"/>
-    <p:sldId id="259" r:id="rId5"/>
-    <p:sldId id="260" r:id="rId6"/>
-    <p:sldId id="261" r:id="rId7"/>
-    <p:sldId id="262" r:id="rId8"/>
-    <p:sldId id="263" r:id="rId9"/>
-    <p:sldId id="264" r:id="rId10"/>
-    <p:sldId id="265" r:id="rId11"/>
-    <p:sldId id="266" r:id="rId12"/>
-    <p:sldId id="267" r:id="rId13"/>
-    <p:sldId id="268" r:id="rId14"/>
+    <p:sldId id="270" r:id="rId4"/>
+    <p:sldId id="271" r:id="rId5"/>
+    <p:sldId id="272" r:id="rId6"/>
+    <p:sldId id="258" r:id="rId7"/>
+    <p:sldId id="259" r:id="rId8"/>
+    <p:sldId id="261" r:id="rId9"/>
+    <p:sldId id="260" r:id="rId10"/>
+    <p:sldId id="262" r:id="rId11"/>
+    <p:sldId id="263" r:id="rId12"/>
+    <p:sldId id="264" r:id="rId13"/>
+    <p:sldId id="265" r:id="rId14"/>
+    <p:sldId id="266" r:id="rId15"/>
+    <p:sldId id="267" r:id="rId16"/>
+    <p:sldId id="273" r:id="rId17"/>
+    <p:sldId id="275" r:id="rId18"/>
+    <p:sldId id="274" r:id="rId19"/>
+    <p:sldId id="268" r:id="rId20"/>
   </p:sldIdLst>
   <p:sldSz cx="12192000" cy="6858000"/>
   <p:notesSz cx="6858000" cy="9144000"/>
@@ -271,7 +277,7 @@
           <a:p>
             <a:fld id="{77DA8EF7-8AF8-4568-899E-2DE0777AA15F}" type="datetimeFigureOut">
               <a:rPr lang="en-US" smtClean="0"/>
-              <a:t>11/25/2022</a:t>
+              <a:t>11/27/2022</a:t>
             </a:fld>
             <a:endParaRPr lang="en-US"/>
           </a:p>
@@ -469,7 +475,7 @@
           <a:p>
             <a:fld id="{77DA8EF7-8AF8-4568-899E-2DE0777AA15F}" type="datetimeFigureOut">
               <a:rPr lang="en-US" smtClean="0"/>
-              <a:t>11/25/2022</a:t>
+              <a:t>11/27/2022</a:t>
             </a:fld>
             <a:endParaRPr lang="en-US"/>
           </a:p>
@@ -677,7 +683,7 @@
           <a:p>
             <a:fld id="{77DA8EF7-8AF8-4568-899E-2DE0777AA15F}" type="datetimeFigureOut">
               <a:rPr lang="en-US" smtClean="0"/>
-              <a:t>11/25/2022</a:t>
+              <a:t>11/27/2022</a:t>
             </a:fld>
             <a:endParaRPr lang="en-US"/>
           </a:p>
@@ -875,7 +881,7 @@
           <a:p>
             <a:fld id="{77DA8EF7-8AF8-4568-899E-2DE0777AA15F}" type="datetimeFigureOut">
               <a:rPr lang="en-US" smtClean="0"/>
-              <a:t>11/25/2022</a:t>
+              <a:t>11/27/2022</a:t>
             </a:fld>
             <a:endParaRPr lang="en-US"/>
           </a:p>
@@ -1150,7 +1156,7 @@
           <a:p>
             <a:fld id="{77DA8EF7-8AF8-4568-899E-2DE0777AA15F}" type="datetimeFigureOut">
               <a:rPr lang="en-US" smtClean="0"/>
-              <a:t>11/25/2022</a:t>
+              <a:t>11/27/2022</a:t>
             </a:fld>
             <a:endParaRPr lang="en-US"/>
           </a:p>
@@ -1415,7 +1421,7 @@
           <a:p>
             <a:fld id="{77DA8EF7-8AF8-4568-899E-2DE0777AA15F}" type="datetimeFigureOut">
               <a:rPr lang="en-US" smtClean="0"/>
-              <a:t>11/25/2022</a:t>
+              <a:t>11/27/2022</a:t>
             </a:fld>
             <a:endParaRPr lang="en-US"/>
           </a:p>
@@ -1827,7 +1833,7 @@
           <a:p>
             <a:fld id="{77DA8EF7-8AF8-4568-899E-2DE0777AA15F}" type="datetimeFigureOut">
               <a:rPr lang="en-US" smtClean="0"/>
-              <a:t>11/25/2022</a:t>
+              <a:t>11/27/2022</a:t>
             </a:fld>
             <a:endParaRPr lang="en-US"/>
           </a:p>
@@ -1968,7 +1974,7 @@
           <a:p>
             <a:fld id="{77DA8EF7-8AF8-4568-899E-2DE0777AA15F}" type="datetimeFigureOut">
               <a:rPr lang="en-US" smtClean="0"/>
-              <a:t>11/25/2022</a:t>
+              <a:t>11/27/2022</a:t>
             </a:fld>
             <a:endParaRPr lang="en-US"/>
           </a:p>
@@ -2081,7 +2087,7 @@
           <a:p>
             <a:fld id="{77DA8EF7-8AF8-4568-899E-2DE0777AA15F}" type="datetimeFigureOut">
               <a:rPr lang="en-US" smtClean="0"/>
-              <a:t>11/25/2022</a:t>
+              <a:t>11/27/2022</a:t>
             </a:fld>
             <a:endParaRPr lang="en-US"/>
           </a:p>
@@ -2392,7 +2398,7 @@
           <a:p>
             <a:fld id="{77DA8EF7-8AF8-4568-899E-2DE0777AA15F}" type="datetimeFigureOut">
               <a:rPr lang="en-US" smtClean="0"/>
-              <a:t>11/25/2022</a:t>
+              <a:t>11/27/2022</a:t>
             </a:fld>
             <a:endParaRPr lang="en-US"/>
           </a:p>
@@ -2680,7 +2686,7 @@
           <a:p>
             <a:fld id="{77DA8EF7-8AF8-4568-899E-2DE0777AA15F}" type="datetimeFigureOut">
               <a:rPr lang="en-US" smtClean="0"/>
-              <a:t>11/25/2022</a:t>
+              <a:t>11/27/2022</a:t>
             </a:fld>
             <a:endParaRPr lang="en-US"/>
           </a:p>
@@ -2921,7 +2927,7 @@
           <a:p>
             <a:fld id="{77DA8EF7-8AF8-4568-899E-2DE0777AA15F}" type="datetimeFigureOut">
               <a:rPr lang="en-US" smtClean="0"/>
-              <a:t>11/25/2022</a:t>
+              <a:t>11/27/2022</a:t>
             </a:fld>
             <a:endParaRPr lang="en-US"/>
           </a:p>
@@ -3354,7 +3360,12 @@
             <p:ph type="ctrTitle"/>
           </p:nvPr>
         </p:nvSpPr>
-        <p:spPr/>
+        <p:spPr>
+          <a:xfrm>
+            <a:off x="1524000" y="1608138"/>
+            <a:ext cx="9144000" cy="2387600"/>
+          </a:xfrm>
+        </p:spPr>
         <p:txBody>
           <a:bodyPr/>
           <a:lstStyle/>
@@ -3367,7 +3378,7 @@
                     <a:lumMod val="10000"/>
                   </a:schemeClr>
                 </a:solidFill>
-                <a:latin typeface="Sitka Text" panose="02000505000000020004" pitchFamily="2" charset="0"/>
+                <a:latin typeface="Montserrat" panose="00000500000000000000" pitchFamily="2" charset="0"/>
                 <a:ea typeface="Segoe UI Black" panose="020B0A02040204020203" pitchFamily="34" charset="0"/>
               </a:rPr>
               <a:t>Formulae</a:t>
@@ -3379,7 +3390,7 @@
                     <a:lumMod val="10000"/>
                   </a:schemeClr>
                 </a:solidFill>
-                <a:latin typeface="Sitka Text" panose="02000505000000020004" pitchFamily="2" charset="0"/>
+                <a:latin typeface="Montserrat" panose="00000500000000000000" pitchFamily="2" charset="0"/>
                 <a:ea typeface="Segoe UI Black" panose="020B0A02040204020203" pitchFamily="34" charset="0"/>
               </a:rPr>
               <a:t> </a:t>
@@ -3391,7 +3402,7 @@
                     <a:lumMod val="10000"/>
                   </a:schemeClr>
                 </a:solidFill>
-                <a:latin typeface="Sitka Text" panose="02000505000000020004" pitchFamily="2" charset="0"/>
+                <a:latin typeface="Montserrat" panose="00000500000000000000" pitchFamily="2" charset="0"/>
                 <a:ea typeface="Segoe UI Black" panose="020B0A02040204020203" pitchFamily="34" charset="0"/>
               </a:rPr>
             </a:br>
@@ -3402,7 +3413,7 @@
                     <a:lumMod val="10000"/>
                   </a:schemeClr>
                 </a:solidFill>
-                <a:latin typeface="Sitka Text" panose="02000505000000020004" pitchFamily="2" charset="0"/>
+                <a:latin typeface="Montserrat" panose="00000500000000000000" pitchFamily="2" charset="0"/>
                 <a:ea typeface="Segoe UI Black" panose="020B0A02040204020203" pitchFamily="34" charset="0"/>
               </a:rPr>
               <a:t>Encyclopedia 2.0 </a:t>
@@ -3413,7 +3424,7 @@
                   <a:lumMod val="10000"/>
                 </a:schemeClr>
               </a:solidFill>
-              <a:latin typeface="Sitka Text" panose="02000505000000020004" pitchFamily="2" charset="0"/>
+              <a:latin typeface="Montserrat" panose="00000500000000000000" pitchFamily="2" charset="0"/>
               <a:ea typeface="Segoe UI Black" panose="020B0A02040204020203" pitchFamily="34" charset="0"/>
             </a:endParaRPr>
           </a:p>
@@ -3454,6 +3465,305 @@
           <p:cNvPr id="2" name="Title 1">
             <a:extLst>
               <a:ext uri="{FF2B5EF4-FFF2-40B4-BE49-F238E27FC236}">
+                <a16:creationId xmlns:a16="http://schemas.microsoft.com/office/drawing/2014/main" id="{01E2E49A-D3A0-2103-07F2-D6BB48E0741E}"/>
+              </a:ext>
+            </a:extLst>
+          </p:cNvPr>
+          <p:cNvSpPr>
+            <a:spLocks noGrp="1"/>
+          </p:cNvSpPr>
+          <p:nvPr>
+            <p:ph type="title"/>
+          </p:nvPr>
+        </p:nvSpPr>
+        <p:spPr>
+          <a:xfrm>
+            <a:off x="838200" y="306132"/>
+            <a:ext cx="10515600" cy="1325563"/>
+          </a:xfrm>
+        </p:spPr>
+        <p:txBody>
+          <a:bodyPr/>
+          <a:lstStyle/>
+          <a:p>
+            <a:pPr algn="ctr"/>
+            <a:r>
+              <a:rPr lang="en-US" sz="4400" b="1" i="0" dirty="0">
+                <a:solidFill>
+                  <a:srgbClr val="404040"/>
+                </a:solidFill>
+                <a:effectLst/>
+                <a:latin typeface="Montserrat" panose="00000500000000000000" pitchFamily="2" charset="0"/>
+              </a:rPr>
+              <a:t> </a:t>
+            </a:r>
+            <a:r>
+              <a:rPr lang="en-US" sz="3200" b="1" i="0" dirty="0">
+                <a:solidFill>
+                  <a:srgbClr val="404040"/>
+                </a:solidFill>
+                <a:effectLst/>
+                <a:latin typeface="Montserrat" panose="00000500000000000000" pitchFamily="2" charset="0"/>
+              </a:rPr>
+              <a:t>Methodology</a:t>
+            </a:r>
+            <a:endParaRPr lang="en-US" sz="3200" dirty="0"/>
+          </a:p>
+        </p:txBody>
+      </p:sp>
+      <p:pic>
+        <p:nvPicPr>
+          <p:cNvPr id="4" name="Picture 3">
+            <a:extLst>
+              <a:ext uri="{FF2B5EF4-FFF2-40B4-BE49-F238E27FC236}">
+                <a16:creationId xmlns:a16="http://schemas.microsoft.com/office/drawing/2014/main" id="{FDD74AB8-F93A-2E83-2993-9CC73A06E3BD}"/>
+              </a:ext>
+            </a:extLst>
+          </p:cNvPr>
+          <p:cNvPicPr>
+            <a:picLocks noChangeAspect="1"/>
+          </p:cNvPicPr>
+          <p:nvPr/>
+        </p:nvPicPr>
+        <p:blipFill>
+          <a:blip r:embed="rId2"/>
+          <a:stretch>
+            <a:fillRect/>
+          </a:stretch>
+        </p:blipFill>
+        <p:spPr>
+          <a:xfrm>
+            <a:off x="3049905" y="1711007"/>
+            <a:ext cx="5273040" cy="4312285"/>
+          </a:xfrm>
+          <a:prstGeom prst="rect">
+            <a:avLst/>
+          </a:prstGeom>
+        </p:spPr>
+      </p:pic>
+    </p:spTree>
+    <p:extLst>
+      <p:ext uri="{BB962C8B-B14F-4D97-AF65-F5344CB8AC3E}">
+        <p14:creationId xmlns:p14="http://schemas.microsoft.com/office/powerpoint/2010/main" val="4255943161"/>
+      </p:ext>
+    </p:extLst>
+  </p:cSld>
+  <p:clrMapOvr>
+    <a:masterClrMapping/>
+  </p:clrMapOvr>
+</p:sld>
+</file>
+
+<file path=ppt/slides/slide11.xml><?xml version="1.0" encoding="utf-8"?>
+<p:sld xmlns:a="http://schemas.openxmlformats.org/drawingml/2006/main" xmlns:r="http://schemas.openxmlformats.org/officeDocument/2006/relationships" xmlns:p="http://schemas.openxmlformats.org/presentationml/2006/main">
+  <p:cSld>
+    <p:spTree>
+      <p:nvGrpSpPr>
+        <p:cNvPr id="1" name=""/>
+        <p:cNvGrpSpPr/>
+        <p:nvPr/>
+      </p:nvGrpSpPr>
+      <p:grpSpPr>
+        <a:xfrm>
+          <a:off x="0" y="0"/>
+          <a:ext cx="0" cy="0"/>
+          <a:chOff x="0" y="0"/>
+          <a:chExt cx="0" cy="0"/>
+        </a:xfrm>
+      </p:grpSpPr>
+      <p:sp>
+        <p:nvSpPr>
+          <p:cNvPr id="5" name="Title 4">
+            <a:extLst>
+              <a:ext uri="{FF2B5EF4-FFF2-40B4-BE49-F238E27FC236}">
+                <a16:creationId xmlns:a16="http://schemas.microsoft.com/office/drawing/2014/main" id="{ADAB4753-FB16-41DA-0591-149DCA7A7A10}"/>
+              </a:ext>
+            </a:extLst>
+          </p:cNvPr>
+          <p:cNvSpPr>
+            <a:spLocks noGrp="1"/>
+          </p:cNvSpPr>
+          <p:nvPr>
+            <p:ph type="title"/>
+          </p:nvPr>
+        </p:nvSpPr>
+        <p:spPr/>
+        <p:txBody>
+          <a:bodyPr>
+            <a:normAutofit/>
+          </a:bodyPr>
+          <a:lstStyle/>
+          <a:p>
+            <a:pPr algn="ctr"/>
+            <a:r>
+              <a:rPr lang="en-US" sz="3200" b="1" dirty="0">
+                <a:latin typeface="Montserrat" panose="00000500000000000000" pitchFamily="2" charset="0"/>
+              </a:rPr>
+              <a:t>Home Screen</a:t>
+            </a:r>
+            <a:endParaRPr lang="en-US" sz="3200" dirty="0"/>
+          </a:p>
+        </p:txBody>
+      </p:sp>
+      <p:pic>
+        <p:nvPicPr>
+          <p:cNvPr id="10" name="Content Placeholder 9">
+            <a:extLst>
+              <a:ext uri="{FF2B5EF4-FFF2-40B4-BE49-F238E27FC236}">
+                <a16:creationId xmlns:a16="http://schemas.microsoft.com/office/drawing/2014/main" id="{E5C67BE5-97FD-25B5-81CE-9268447BC01E}"/>
+              </a:ext>
+            </a:extLst>
+          </p:cNvPr>
+          <p:cNvPicPr>
+            <a:picLocks noGrp="1" noChangeAspect="1"/>
+          </p:cNvPicPr>
+          <p:nvPr>
+            <p:ph idx="1"/>
+          </p:nvPr>
+        </p:nvPicPr>
+        <p:blipFill>
+          <a:blip r:embed="rId2"/>
+          <a:stretch>
+            <a:fillRect/>
+          </a:stretch>
+        </p:blipFill>
+        <p:spPr>
+          <a:xfrm>
+            <a:off x="2195448" y="1825625"/>
+            <a:ext cx="7801103" cy="4351338"/>
+          </a:xfrm>
+        </p:spPr>
+      </p:pic>
+    </p:spTree>
+    <p:extLst>
+      <p:ext uri="{BB962C8B-B14F-4D97-AF65-F5344CB8AC3E}">
+        <p14:creationId xmlns:p14="http://schemas.microsoft.com/office/powerpoint/2010/main" val="3979853194"/>
+      </p:ext>
+    </p:extLst>
+  </p:cSld>
+  <p:clrMapOvr>
+    <a:masterClrMapping/>
+  </p:clrMapOvr>
+</p:sld>
+</file>
+
+<file path=ppt/slides/slide12.xml><?xml version="1.0" encoding="utf-8"?>
+<p:sld xmlns:a="http://schemas.openxmlformats.org/drawingml/2006/main" xmlns:r="http://schemas.openxmlformats.org/officeDocument/2006/relationships" xmlns:p="http://schemas.openxmlformats.org/presentationml/2006/main">
+  <p:cSld>
+    <p:spTree>
+      <p:nvGrpSpPr>
+        <p:cNvPr id="1" name=""/>
+        <p:cNvGrpSpPr/>
+        <p:nvPr/>
+      </p:nvGrpSpPr>
+      <p:grpSpPr>
+        <a:xfrm>
+          <a:off x="0" y="0"/>
+          <a:ext cx="0" cy="0"/>
+          <a:chOff x="0" y="0"/>
+          <a:chExt cx="0" cy="0"/>
+        </a:xfrm>
+      </p:grpSpPr>
+      <p:sp>
+        <p:nvSpPr>
+          <p:cNvPr id="2" name="Title 1">
+            <a:extLst>
+              <a:ext uri="{FF2B5EF4-FFF2-40B4-BE49-F238E27FC236}">
+                <a16:creationId xmlns:a16="http://schemas.microsoft.com/office/drawing/2014/main" id="{D6741816-F571-F164-3126-7153A34C7655}"/>
+              </a:ext>
+            </a:extLst>
+          </p:cNvPr>
+          <p:cNvSpPr>
+            <a:spLocks noGrp="1"/>
+          </p:cNvSpPr>
+          <p:nvPr>
+            <p:ph type="title"/>
+          </p:nvPr>
+        </p:nvSpPr>
+        <p:spPr/>
+        <p:txBody>
+          <a:bodyPr>
+            <a:normAutofit/>
+          </a:bodyPr>
+          <a:lstStyle/>
+          <a:p>
+            <a:pPr algn="ctr"/>
+            <a:r>
+              <a:rPr lang="en-US" sz="3200" b="1" dirty="0">
+                <a:latin typeface="Montserrat" panose="00000500000000000000" pitchFamily="2" charset="0"/>
+              </a:rPr>
+              <a:t>Login Page</a:t>
+            </a:r>
+            <a:endParaRPr lang="en-US" sz="3200" dirty="0">
+              <a:latin typeface="Monotype Corsiva" panose="03010101010201010101" pitchFamily="66" charset="0"/>
+            </a:endParaRPr>
+          </a:p>
+        </p:txBody>
+      </p:sp>
+      <p:pic>
+        <p:nvPicPr>
+          <p:cNvPr id="5" name="Content Placeholder 4">
+            <a:extLst>
+              <a:ext uri="{FF2B5EF4-FFF2-40B4-BE49-F238E27FC236}">
+                <a16:creationId xmlns:a16="http://schemas.microsoft.com/office/drawing/2014/main" id="{EA7DA5BE-55CA-DE9D-2EA5-E106ADB0BBF1}"/>
+              </a:ext>
+            </a:extLst>
+          </p:cNvPr>
+          <p:cNvPicPr>
+            <a:picLocks noGrp="1" noChangeAspect="1"/>
+          </p:cNvPicPr>
+          <p:nvPr>
+            <p:ph idx="1"/>
+          </p:nvPr>
+        </p:nvPicPr>
+        <p:blipFill>
+          <a:blip r:embed="rId2"/>
+          <a:stretch>
+            <a:fillRect/>
+          </a:stretch>
+        </p:blipFill>
+        <p:spPr>
+          <a:xfrm>
+            <a:off x="3025277" y="1825625"/>
+            <a:ext cx="6141445" cy="4351338"/>
+          </a:xfrm>
+        </p:spPr>
+      </p:pic>
+    </p:spTree>
+    <p:extLst>
+      <p:ext uri="{BB962C8B-B14F-4D97-AF65-F5344CB8AC3E}">
+        <p14:creationId xmlns:p14="http://schemas.microsoft.com/office/powerpoint/2010/main" val="3226094783"/>
+      </p:ext>
+    </p:extLst>
+  </p:cSld>
+  <p:clrMapOvr>
+    <a:masterClrMapping/>
+  </p:clrMapOvr>
+</p:sld>
+</file>
+
+<file path=ppt/slides/slide13.xml><?xml version="1.0" encoding="utf-8"?>
+<p:sld xmlns:a="http://schemas.openxmlformats.org/drawingml/2006/main" xmlns:r="http://schemas.openxmlformats.org/officeDocument/2006/relationships" xmlns:p="http://schemas.openxmlformats.org/presentationml/2006/main">
+  <p:cSld>
+    <p:spTree>
+      <p:nvGrpSpPr>
+        <p:cNvPr id="1" name=""/>
+        <p:cNvGrpSpPr/>
+        <p:nvPr/>
+      </p:nvGrpSpPr>
+      <p:grpSpPr>
+        <a:xfrm>
+          <a:off x="0" y="0"/>
+          <a:ext cx="0" cy="0"/>
+          <a:chOff x="0" y="0"/>
+          <a:chExt cx="0" cy="0"/>
+        </a:xfrm>
+      </p:grpSpPr>
+      <p:sp>
+        <p:nvSpPr>
+          <p:cNvPr id="2" name="Title 1">
+            <a:extLst>
+              <a:ext uri="{FF2B5EF4-FFF2-40B4-BE49-F238E27FC236}">
                 <a16:creationId xmlns:a16="http://schemas.microsoft.com/office/drawing/2014/main" id="{00E710C8-E296-764E-1EE6-0C3EA4786F5A}"/>
               </a:ext>
             </a:extLst>
@@ -3525,7 +3835,7 @@
 </p:sld>
 </file>
 
-<file path=ppt/slides/slide11.xml><?xml version="1.0" encoding="utf-8"?>
+<file path=ppt/slides/slide14.xml><?xml version="1.0" encoding="utf-8"?>
 <p:sld xmlns:a="http://schemas.openxmlformats.org/drawingml/2006/main" xmlns:r="http://schemas.openxmlformats.org/officeDocument/2006/relationships" xmlns:p="http://schemas.openxmlformats.org/presentationml/2006/main">
   <p:cSld>
     <p:spTree>
@@ -3618,7 +3928,7 @@
 </p:sld>
 </file>
 
-<file path=ppt/slides/slide12.xml><?xml version="1.0" encoding="utf-8"?>
+<file path=ppt/slides/slide15.xml><?xml version="1.0" encoding="utf-8"?>
 <p:sld xmlns:a="http://schemas.openxmlformats.org/drawingml/2006/main" xmlns:r="http://schemas.openxmlformats.org/officeDocument/2006/relationships" xmlns:p="http://schemas.openxmlformats.org/presentationml/2006/main">
   <p:cSld>
     <p:spTree>
@@ -3711,7 +4021,7 @@
 </p:sld>
 </file>
 
-<file path=ppt/slides/slide13.xml><?xml version="1.0" encoding="utf-8"?>
+<file path=ppt/slides/slide16.xml><?xml version="1.0" encoding="utf-8"?>
 <p:sld xmlns:a="http://schemas.openxmlformats.org/drawingml/2006/main" xmlns:r="http://schemas.openxmlformats.org/officeDocument/2006/relationships" xmlns:p="http://schemas.openxmlformats.org/presentationml/2006/main">
   <p:cSld>
     <p:spTree>
@@ -3730,6 +4040,411 @@
       </p:grpSpPr>
       <p:sp>
         <p:nvSpPr>
+          <p:cNvPr id="2" name="Title 1">
+            <a:extLst>
+              <a:ext uri="{FF2B5EF4-FFF2-40B4-BE49-F238E27FC236}">
+                <a16:creationId xmlns:a16="http://schemas.microsoft.com/office/drawing/2014/main" id="{FF053B17-BEC7-0545-528C-E95A640C3CD8}"/>
+              </a:ext>
+            </a:extLst>
+          </p:cNvPr>
+          <p:cNvSpPr>
+            <a:spLocks noGrp="1"/>
+          </p:cNvSpPr>
+          <p:nvPr>
+            <p:ph type="title"/>
+          </p:nvPr>
+        </p:nvSpPr>
+        <p:spPr/>
+        <p:txBody>
+          <a:bodyPr>
+            <a:normAutofit/>
+          </a:bodyPr>
+          <a:lstStyle/>
+          <a:p>
+            <a:pPr algn="ctr"/>
+            <a:r>
+              <a:rPr lang="en-US" sz="3200" b="1" dirty="0">
+                <a:latin typeface="Montserrat" panose="00000500000000000000" pitchFamily="2" charset="0"/>
+              </a:rPr>
+              <a:t>Limitations</a:t>
+            </a:r>
+            <a:endParaRPr lang="en-US" sz="3200" dirty="0"/>
+          </a:p>
+        </p:txBody>
+      </p:sp>
+      <p:sp>
+        <p:nvSpPr>
+          <p:cNvPr id="4" name="Content Placeholder 3">
+            <a:extLst>
+              <a:ext uri="{FF2B5EF4-FFF2-40B4-BE49-F238E27FC236}">
+                <a16:creationId xmlns:a16="http://schemas.microsoft.com/office/drawing/2014/main" id="{1ABF2B43-B250-1D0D-CA2C-C05B56BF93C7}"/>
+              </a:ext>
+            </a:extLst>
+          </p:cNvPr>
+          <p:cNvSpPr>
+            <a:spLocks noGrp="1"/>
+          </p:cNvSpPr>
+          <p:nvPr>
+            <p:ph idx="1"/>
+          </p:nvPr>
+        </p:nvSpPr>
+        <p:spPr/>
+        <p:txBody>
+          <a:bodyPr>
+            <a:normAutofit/>
+          </a:bodyPr>
+          <a:lstStyle/>
+          <a:p>
+            <a:r>
+              <a:rPr lang="en-US" dirty="0">
+                <a:latin typeface="Montserrat" panose="00000500000000000000" pitchFamily="2" charset="0"/>
+              </a:rPr>
+              <a:t>The application window is not resolution adaptive.</a:t>
+            </a:r>
+          </a:p>
+          <a:p>
+            <a:endParaRPr lang="en-US" dirty="0">
+              <a:latin typeface="Montserrat" panose="00000500000000000000" pitchFamily="2" charset="0"/>
+            </a:endParaRPr>
+          </a:p>
+          <a:p>
+            <a:r>
+              <a:rPr lang="en-US" dirty="0">
+                <a:latin typeface="Montserrat" panose="00000500000000000000" pitchFamily="2" charset="0"/>
+              </a:rPr>
+              <a:t>Searching by keyword is not possible</a:t>
+            </a:r>
+          </a:p>
+          <a:p>
+            <a:endParaRPr lang="en-US" dirty="0">
+              <a:latin typeface="Montserrat" panose="00000500000000000000" pitchFamily="2" charset="0"/>
+            </a:endParaRPr>
+          </a:p>
+          <a:p>
+            <a:r>
+              <a:rPr lang="en-US" dirty="0">
+                <a:latin typeface="Montserrat" panose="00000500000000000000" pitchFamily="2" charset="0"/>
+              </a:rPr>
+              <a:t>Formulas and subjects cannot be dynamically managed.</a:t>
+            </a:r>
+          </a:p>
+          <a:p>
+            <a:endParaRPr lang="en-US" dirty="0">
+              <a:latin typeface="Montserrat" panose="00000500000000000000" pitchFamily="2" charset="0"/>
+            </a:endParaRPr>
+          </a:p>
+          <a:p>
+            <a:r>
+              <a:rPr lang="en-US" dirty="0">
+                <a:latin typeface="Montserrat" panose="00000500000000000000" pitchFamily="2" charset="0"/>
+              </a:rPr>
+              <a:t>Databases are not hosted online.</a:t>
+            </a:r>
+          </a:p>
+        </p:txBody>
+      </p:sp>
+    </p:spTree>
+    <p:extLst>
+      <p:ext uri="{BB962C8B-B14F-4D97-AF65-F5344CB8AC3E}">
+        <p14:creationId xmlns:p14="http://schemas.microsoft.com/office/powerpoint/2010/main" val="436678378"/>
+      </p:ext>
+    </p:extLst>
+  </p:cSld>
+  <p:clrMapOvr>
+    <a:masterClrMapping/>
+  </p:clrMapOvr>
+</p:sld>
+</file>
+
+<file path=ppt/slides/slide17.xml><?xml version="1.0" encoding="utf-8"?>
+<p:sld xmlns:a="http://schemas.openxmlformats.org/drawingml/2006/main" xmlns:r="http://schemas.openxmlformats.org/officeDocument/2006/relationships" xmlns:p="http://schemas.openxmlformats.org/presentationml/2006/main">
+  <p:cSld>
+    <p:spTree>
+      <p:nvGrpSpPr>
+        <p:cNvPr id="1" name=""/>
+        <p:cNvGrpSpPr/>
+        <p:nvPr/>
+      </p:nvGrpSpPr>
+      <p:grpSpPr>
+        <a:xfrm>
+          <a:off x="0" y="0"/>
+          <a:ext cx="0" cy="0"/>
+          <a:chOff x="0" y="0"/>
+          <a:chExt cx="0" cy="0"/>
+        </a:xfrm>
+      </p:grpSpPr>
+      <p:sp>
+        <p:nvSpPr>
+          <p:cNvPr id="2" name="Title 1">
+            <a:extLst>
+              <a:ext uri="{FF2B5EF4-FFF2-40B4-BE49-F238E27FC236}">
+                <a16:creationId xmlns:a16="http://schemas.microsoft.com/office/drawing/2014/main" id="{FF053B17-BEC7-0545-528C-E95A640C3CD8}"/>
+              </a:ext>
+            </a:extLst>
+          </p:cNvPr>
+          <p:cNvSpPr>
+            <a:spLocks noGrp="1"/>
+          </p:cNvSpPr>
+          <p:nvPr>
+            <p:ph type="title"/>
+          </p:nvPr>
+        </p:nvSpPr>
+        <p:spPr/>
+        <p:txBody>
+          <a:bodyPr>
+            <a:normAutofit/>
+          </a:bodyPr>
+          <a:lstStyle/>
+          <a:p>
+            <a:pPr algn="ctr"/>
+            <a:r>
+              <a:rPr lang="en-US" sz="3200" b="1" dirty="0">
+                <a:latin typeface="Montserrat" panose="00000500000000000000" pitchFamily="2" charset="0"/>
+              </a:rPr>
+              <a:t>Future Enhancements</a:t>
+            </a:r>
+            <a:endParaRPr lang="en-US" sz="3200" dirty="0"/>
+          </a:p>
+        </p:txBody>
+      </p:sp>
+      <p:sp>
+        <p:nvSpPr>
+          <p:cNvPr id="4" name="Content Placeholder 3">
+            <a:extLst>
+              <a:ext uri="{FF2B5EF4-FFF2-40B4-BE49-F238E27FC236}">
+                <a16:creationId xmlns:a16="http://schemas.microsoft.com/office/drawing/2014/main" id="{1ABF2B43-B250-1D0D-CA2C-C05B56BF93C7}"/>
+              </a:ext>
+            </a:extLst>
+          </p:cNvPr>
+          <p:cNvSpPr>
+            <a:spLocks noGrp="1"/>
+          </p:cNvSpPr>
+          <p:nvPr>
+            <p:ph idx="1"/>
+          </p:nvPr>
+        </p:nvSpPr>
+        <p:spPr/>
+        <p:txBody>
+          <a:bodyPr>
+            <a:normAutofit/>
+          </a:bodyPr>
+          <a:lstStyle/>
+          <a:p>
+            <a:r>
+              <a:rPr lang="en-US" dirty="0">
+                <a:latin typeface="Montserrat" panose="00000500000000000000" pitchFamily="2" charset="0"/>
+              </a:rPr>
+              <a:t>Application can be made auto adaptive as per the resolution of the device.</a:t>
+            </a:r>
+          </a:p>
+          <a:p>
+            <a:endParaRPr lang="en-US" dirty="0">
+              <a:latin typeface="Montserrat" panose="00000500000000000000" pitchFamily="2" charset="0"/>
+            </a:endParaRPr>
+          </a:p>
+          <a:p>
+            <a:r>
+              <a:rPr lang="en-US" dirty="0">
+                <a:latin typeface="Montserrat" panose="00000500000000000000" pitchFamily="2" charset="0"/>
+              </a:rPr>
+              <a:t>Search functionality can be added for easier navigation.</a:t>
+            </a:r>
+          </a:p>
+          <a:p>
+            <a:endParaRPr lang="en-US" dirty="0">
+              <a:latin typeface="Montserrat" panose="00000500000000000000" pitchFamily="2" charset="0"/>
+            </a:endParaRPr>
+          </a:p>
+          <a:p>
+            <a:r>
+              <a:rPr lang="en-US" dirty="0">
+                <a:latin typeface="Montserrat" panose="00000500000000000000" pitchFamily="2" charset="0"/>
+              </a:rPr>
+              <a:t>Formulas and subjects can be made dynamically managed.</a:t>
+            </a:r>
+          </a:p>
+          <a:p>
+            <a:endParaRPr lang="en-US" dirty="0">
+              <a:latin typeface="Montserrat" panose="00000500000000000000" pitchFamily="2" charset="0"/>
+            </a:endParaRPr>
+          </a:p>
+          <a:p>
+            <a:r>
+              <a:rPr lang="en-US" dirty="0">
+                <a:latin typeface="Montserrat" panose="00000500000000000000" pitchFamily="2" charset="0"/>
+              </a:rPr>
+              <a:t>Databases could be hosted online.</a:t>
+            </a:r>
+          </a:p>
+        </p:txBody>
+      </p:sp>
+    </p:spTree>
+    <p:extLst>
+      <p:ext uri="{BB962C8B-B14F-4D97-AF65-F5344CB8AC3E}">
+        <p14:creationId xmlns:p14="http://schemas.microsoft.com/office/powerpoint/2010/main" val="1507908710"/>
+      </p:ext>
+    </p:extLst>
+  </p:cSld>
+  <p:clrMapOvr>
+    <a:masterClrMapping/>
+  </p:clrMapOvr>
+</p:sld>
+</file>
+
+<file path=ppt/slides/slide18.xml><?xml version="1.0" encoding="utf-8"?>
+<p:sld xmlns:a="http://schemas.openxmlformats.org/drawingml/2006/main" xmlns:r="http://schemas.openxmlformats.org/officeDocument/2006/relationships" xmlns:p="http://schemas.openxmlformats.org/presentationml/2006/main">
+  <p:cSld>
+    <p:spTree>
+      <p:nvGrpSpPr>
+        <p:cNvPr id="1" name=""/>
+        <p:cNvGrpSpPr/>
+        <p:nvPr/>
+      </p:nvGrpSpPr>
+      <p:grpSpPr>
+        <a:xfrm>
+          <a:off x="0" y="0"/>
+          <a:ext cx="0" cy="0"/>
+          <a:chOff x="0" y="0"/>
+          <a:chExt cx="0" cy="0"/>
+        </a:xfrm>
+      </p:grpSpPr>
+      <p:sp>
+        <p:nvSpPr>
+          <p:cNvPr id="2" name="Title 1">
+            <a:extLst>
+              <a:ext uri="{FF2B5EF4-FFF2-40B4-BE49-F238E27FC236}">
+                <a16:creationId xmlns:a16="http://schemas.microsoft.com/office/drawing/2014/main" id="{FF053B17-BEC7-0545-528C-E95A640C3CD8}"/>
+              </a:ext>
+            </a:extLst>
+          </p:cNvPr>
+          <p:cNvSpPr>
+            <a:spLocks noGrp="1"/>
+          </p:cNvSpPr>
+          <p:nvPr>
+            <p:ph type="title"/>
+          </p:nvPr>
+        </p:nvSpPr>
+        <p:spPr/>
+        <p:txBody>
+          <a:bodyPr>
+            <a:normAutofit/>
+          </a:bodyPr>
+          <a:lstStyle/>
+          <a:p>
+            <a:pPr algn="ctr"/>
+            <a:r>
+              <a:rPr lang="en-US" sz="3200" b="1" dirty="0">
+                <a:latin typeface="Montserrat" panose="00000500000000000000" pitchFamily="2" charset="0"/>
+              </a:rPr>
+              <a:t>Conclusion</a:t>
+            </a:r>
+            <a:endParaRPr lang="en-US" sz="3200" dirty="0"/>
+          </a:p>
+        </p:txBody>
+      </p:sp>
+      <p:sp>
+        <p:nvSpPr>
+          <p:cNvPr id="4" name="Content Placeholder 3">
+            <a:extLst>
+              <a:ext uri="{FF2B5EF4-FFF2-40B4-BE49-F238E27FC236}">
+                <a16:creationId xmlns:a16="http://schemas.microsoft.com/office/drawing/2014/main" id="{1ABF2B43-B250-1D0D-CA2C-C05B56BF93C7}"/>
+              </a:ext>
+            </a:extLst>
+          </p:cNvPr>
+          <p:cNvSpPr>
+            <a:spLocks noGrp="1"/>
+          </p:cNvSpPr>
+          <p:nvPr>
+            <p:ph idx="1"/>
+          </p:nvPr>
+        </p:nvSpPr>
+        <p:spPr/>
+        <p:txBody>
+          <a:bodyPr>
+            <a:normAutofit fontScale="92500" lnSpcReduction="10000"/>
+          </a:bodyPr>
+          <a:lstStyle/>
+          <a:p>
+            <a:r>
+              <a:rPr lang="en-US" dirty="0">
+                <a:latin typeface="Montserrat" panose="00000500000000000000" pitchFamily="2" charset="0"/>
+              </a:rPr>
+              <a:t>An easy to use GUI application was developed using C++.</a:t>
+            </a:r>
+          </a:p>
+          <a:p>
+            <a:endParaRPr lang="en-US" dirty="0">
+              <a:latin typeface="Montserrat" panose="00000500000000000000" pitchFamily="2" charset="0"/>
+            </a:endParaRPr>
+          </a:p>
+          <a:p>
+            <a:r>
+              <a:rPr lang="en-US" dirty="0">
+                <a:latin typeface="Montserrat" panose="00000500000000000000" pitchFamily="2" charset="0"/>
+              </a:rPr>
+              <a:t>Makes it easier for students to lookup formulas</a:t>
+            </a:r>
+          </a:p>
+          <a:p>
+            <a:endParaRPr lang="en-US" dirty="0">
+              <a:latin typeface="Montserrat" panose="00000500000000000000" pitchFamily="2" charset="0"/>
+            </a:endParaRPr>
+          </a:p>
+          <a:p>
+            <a:r>
+              <a:rPr lang="en-US" dirty="0">
+                <a:latin typeface="Montserrat" panose="00000500000000000000" pitchFamily="2" charset="0"/>
+              </a:rPr>
+              <a:t>As a Developer we got a chance to learn about the basics of Qt Libraries, DBMS and to collaborate with other team members.</a:t>
+            </a:r>
+          </a:p>
+          <a:p>
+            <a:endParaRPr lang="en-US" dirty="0">
+              <a:latin typeface="Montserrat" panose="00000500000000000000" pitchFamily="2" charset="0"/>
+            </a:endParaRPr>
+          </a:p>
+          <a:p>
+            <a:r>
+              <a:rPr lang="en-US" dirty="0">
+                <a:latin typeface="Montserrat" panose="00000500000000000000" pitchFamily="2" charset="0"/>
+              </a:rPr>
+              <a:t>We also learned about version control system using Git and GitHub for easy collaboration and tracking of project progress.</a:t>
+            </a:r>
+          </a:p>
+        </p:txBody>
+      </p:sp>
+    </p:spTree>
+    <p:extLst>
+      <p:ext uri="{BB962C8B-B14F-4D97-AF65-F5344CB8AC3E}">
+        <p14:creationId xmlns:p14="http://schemas.microsoft.com/office/powerpoint/2010/main" val="1659542668"/>
+      </p:ext>
+    </p:extLst>
+  </p:cSld>
+  <p:clrMapOvr>
+    <a:masterClrMapping/>
+  </p:clrMapOvr>
+</p:sld>
+</file>
+
+<file path=ppt/slides/slide19.xml><?xml version="1.0" encoding="utf-8"?>
+<p:sld xmlns:a="http://schemas.openxmlformats.org/drawingml/2006/main" xmlns:r="http://schemas.openxmlformats.org/officeDocument/2006/relationships" xmlns:p="http://schemas.openxmlformats.org/presentationml/2006/main">
+  <p:cSld>
+    <p:spTree>
+      <p:nvGrpSpPr>
+        <p:cNvPr id="1" name=""/>
+        <p:cNvGrpSpPr/>
+        <p:nvPr/>
+      </p:nvGrpSpPr>
+      <p:grpSpPr>
+        <a:xfrm>
+          <a:off x="0" y="0"/>
+          <a:ext cx="0" cy="0"/>
+          <a:chOff x="0" y="0"/>
+          <a:chExt cx="0" cy="0"/>
+        </a:xfrm>
+      </p:grpSpPr>
+      <p:sp>
+        <p:nvSpPr>
           <p:cNvPr id="3" name="Content Placeholder 2">
             <a:extLst>
               <a:ext uri="{FF2B5EF4-FFF2-40B4-BE49-F238E27FC236}">
@@ -3746,13 +4461,13 @@
         </p:nvSpPr>
         <p:spPr>
           <a:xfrm>
-            <a:off x="838199" y="1101212"/>
+            <a:off x="638174" y="1729862"/>
             <a:ext cx="11058833" cy="3214279"/>
           </a:xfrm>
         </p:spPr>
         <p:txBody>
           <a:bodyPr>
-            <a:normAutofit fontScale="92500" lnSpcReduction="20000"/>
+            <a:normAutofit fontScale="85000" lnSpcReduction="20000"/>
           </a:bodyPr>
           <a:lstStyle/>
           <a:p>
@@ -3771,25 +4486,16 @@
               <a:rPr lang="en-US" sz="7200" dirty="0">
                 <a:latin typeface="Montserrat" panose="00000500000000000000" pitchFamily="2" charset="0"/>
               </a:rPr>
-              <a:t>THANK </a:t>
-            </a:r>
-          </a:p>
-          <a:p>
-            <a:pPr marL="0" indent="0" algn="ctr">
+              <a:t>THANK YOU !!</a:t>
+            </a:r>
+          </a:p>
+          <a:p>
+            <a:pPr marL="0" indent="0">
               <a:buNone/>
             </a:pPr>
-            <a:r>
-              <a:rPr lang="en-US" sz="7200" dirty="0">
-                <a:latin typeface="Montserrat" panose="00000500000000000000" pitchFamily="2" charset="0"/>
-              </a:rPr>
-              <a:t>YOU !!</a:t>
-            </a:r>
-          </a:p>
-          <a:p>
-            <a:pPr marL="0" indent="0">
-              <a:buNone/>
-            </a:pPr>
-            <a:endParaRPr lang="en-US" dirty="0"/>
+            <a:endParaRPr lang="en-US" dirty="0">
+              <a:latin typeface="Montserrat" panose="00000500000000000000" pitchFamily="2" charset="0"/>
+            </a:endParaRPr>
           </a:p>
         </p:txBody>
       </p:sp>
@@ -3811,13 +4517,13 @@
         </p:nvSpPr>
         <p:spPr>
           <a:xfrm>
-            <a:off x="8072284" y="4168877"/>
-            <a:ext cx="3281515" cy="2008086"/>
+            <a:off x="871384" y="4187927"/>
+            <a:ext cx="4443566" cy="2008086"/>
           </a:xfrm>
         </p:spPr>
         <p:txBody>
           <a:bodyPr>
-            <a:normAutofit fontScale="92500" lnSpcReduction="20000"/>
+            <a:normAutofit fontScale="85000" lnSpcReduction="20000"/>
           </a:bodyPr>
           <a:lstStyle/>
           <a:p>
@@ -3825,36 +4531,54 @@
               <a:buNone/>
             </a:pPr>
             <a:r>
-              <a:rPr lang="en-US" dirty="0"/>
-              <a:t>Team </a:t>
-            </a:r>
-          </a:p>
-          <a:p>
-            <a:r>
-              <a:rPr lang="en-US" dirty="0"/>
+              <a:rPr lang="en-US" b="1" dirty="0">
+                <a:latin typeface="Montserrat" panose="00000500000000000000" pitchFamily="2" charset="0"/>
+              </a:rPr>
+              <a:t>Team</a:t>
+            </a:r>
+            <a:r>
+              <a:rPr lang="en-US" dirty="0">
+                <a:latin typeface="Montserrat" panose="00000500000000000000" pitchFamily="2" charset="0"/>
+              </a:rPr>
+              <a:t> </a:t>
+            </a:r>
+          </a:p>
+          <a:p>
+            <a:r>
+              <a:rPr lang="en-US" dirty="0">
+                <a:latin typeface="Montserrat" panose="00000500000000000000" pitchFamily="2" charset="0"/>
+              </a:rPr>
               <a:t>Atul Shreewastav</a:t>
             </a:r>
           </a:p>
           <a:p>
             <a:r>
-              <a:rPr lang="en-US" dirty="0"/>
+              <a:rPr lang="en-US" dirty="0">
+                <a:latin typeface="Montserrat" panose="00000500000000000000" pitchFamily="2" charset="0"/>
+              </a:rPr>
               <a:t>Bidhan Acharya</a:t>
             </a:r>
           </a:p>
           <a:p>
             <a:r>
-              <a:rPr lang="en-US" dirty="0"/>
+              <a:rPr lang="en-US" dirty="0">
+                <a:latin typeface="Montserrat" panose="00000500000000000000" pitchFamily="2" charset="0"/>
+              </a:rPr>
               <a:t>Nischal Paudel</a:t>
             </a:r>
           </a:p>
           <a:p>
             <a:r>
-              <a:rPr lang="en-US" dirty="0"/>
+              <a:rPr lang="en-US" dirty="0">
+                <a:latin typeface="Montserrat" panose="00000500000000000000" pitchFamily="2" charset="0"/>
+              </a:rPr>
               <a:t>Yugratna Humagain</a:t>
             </a:r>
           </a:p>
           <a:p>
-            <a:endParaRPr lang="en-US" dirty="0"/>
+            <a:endParaRPr lang="en-US" dirty="0">
+              <a:latin typeface="Montserrat" panose="00000500000000000000" pitchFamily="2" charset="0"/>
+            </a:endParaRPr>
           </a:p>
         </p:txBody>
       </p:sp>
@@ -3944,7 +4668,12 @@
             <p:ph idx="1"/>
           </p:nvPr>
         </p:nvSpPr>
-        <p:spPr/>
+        <p:spPr>
+          <a:xfrm>
+            <a:off x="838200" y="1939925"/>
+            <a:ext cx="10515600" cy="4351338"/>
+          </a:xfrm>
+        </p:spPr>
         <p:txBody>
           <a:bodyPr/>
           <a:lstStyle/>
@@ -3953,31 +4682,45 @@
               <a:buNone/>
             </a:pPr>
             <a:r>
-              <a:rPr lang="en-US" sz="2400" dirty="0"/>
+              <a:rPr lang="en-US" sz="2400" dirty="0">
+                <a:latin typeface="Montserrat" panose="00000500000000000000" pitchFamily="2" charset="0"/>
+              </a:rPr>
               <a:t>Our team would like to express a deep sense of thanks and gratitude to our </a:t>
             </a:r>
             <a:r>
-              <a:rPr lang="en-US" sz="2400" b="1" dirty="0"/>
+              <a:rPr lang="en-US" sz="2400" b="1" dirty="0">
+                <a:latin typeface="Montserrat" panose="00000500000000000000" pitchFamily="2" charset="0"/>
+              </a:rPr>
               <a:t>Department of Electronics and Computer Engineering </a:t>
             </a:r>
             <a:r>
-              <a:rPr lang="en-US" sz="2400" dirty="0"/>
+              <a:rPr lang="en-US" sz="2400" dirty="0">
+                <a:latin typeface="Montserrat" panose="00000500000000000000" pitchFamily="2" charset="0"/>
+              </a:rPr>
               <a:t>of </a:t>
             </a:r>
             <a:r>
-              <a:rPr lang="en-US" sz="2400" b="1" dirty="0"/>
+              <a:rPr lang="en-US" sz="2400" b="1" dirty="0">
+                <a:latin typeface="Montserrat" panose="00000500000000000000" pitchFamily="2" charset="0"/>
+              </a:rPr>
               <a:t>Thapathali</a:t>
             </a:r>
             <a:r>
-              <a:rPr lang="en-US" sz="2400" dirty="0"/>
+              <a:rPr lang="en-US" sz="2400" dirty="0">
+                <a:latin typeface="Montserrat" panose="00000500000000000000" pitchFamily="2" charset="0"/>
+              </a:rPr>
               <a:t> </a:t>
             </a:r>
             <a:r>
-              <a:rPr lang="en-US" sz="2400" b="1" dirty="0"/>
+              <a:rPr lang="en-US" sz="2400" b="1" dirty="0">
+                <a:latin typeface="Montserrat" panose="00000500000000000000" pitchFamily="2" charset="0"/>
+              </a:rPr>
               <a:t>Campus</a:t>
             </a:r>
             <a:r>
-              <a:rPr lang="en-US" sz="2400" dirty="0"/>
+              <a:rPr lang="en-US" sz="2400" dirty="0">
+                <a:latin typeface="Montserrat" panose="00000500000000000000" pitchFamily="2" charset="0"/>
+              </a:rPr>
               <a:t> for this great opportunity to present our ideas. We would also like to thank Er. Saroj Shakya Sir for guiding us immensely throughout the project. His constructive advice and constant motivation have been responsible for the successful completion of this project . </a:t>
             </a:r>
           </a:p>
@@ -3985,7 +4728,9 @@
             <a:pPr marL="0" indent="0">
               <a:buNone/>
             </a:pPr>
-            <a:endParaRPr lang="en-US" dirty="0"/>
+            <a:endParaRPr lang="en-US" dirty="0">
+              <a:latin typeface="Montserrat" panose="00000500000000000000" pitchFamily="2" charset="0"/>
+            </a:endParaRPr>
           </a:p>
         </p:txBody>
       </p:sp>
@@ -4024,7 +4769,7 @@
           <p:cNvPr id="2" name="Title 1">
             <a:extLst>
               <a:ext uri="{FF2B5EF4-FFF2-40B4-BE49-F238E27FC236}">
-                <a16:creationId xmlns:a16="http://schemas.microsoft.com/office/drawing/2014/main" id="{AC75336C-BB71-5EE8-F0C6-5DA61B707D52}"/>
+                <a16:creationId xmlns:a16="http://schemas.microsoft.com/office/drawing/2014/main" id="{29DB3B73-8AC6-D246-BCFD-D837E529819C}"/>
               </a:ext>
             </a:extLst>
           </p:cNvPr>
@@ -4038,35 +4783,17 @@
         <p:spPr/>
         <p:txBody>
           <a:bodyPr>
-            <a:normAutofit fontScale="90000"/>
+            <a:normAutofit/>
           </a:bodyPr>
           <a:lstStyle/>
           <a:p>
             <a:pPr algn="ctr"/>
             <a:r>
-              <a:rPr lang="en-US" sz="3600" b="1" spc="300" dirty="0">
-                <a:solidFill>
-                  <a:schemeClr val="tx1">
-                    <a:lumMod val="75000"/>
-                    <a:lumOff val="25000"/>
-                  </a:schemeClr>
-                </a:solidFill>
-                <a:latin typeface="Montserrat" pitchFamily="2" charset="77"/>
-              </a:rPr>
-              <a:t>Introduction To Formulae Encyclopedia 2.0</a:t>
-            </a:r>
-            <a:br>
-              <a:rPr lang="x-none" sz="4400" b="1" spc="300" dirty="0">
-                <a:solidFill>
-                  <a:schemeClr val="tx1">
-                    <a:lumMod val="75000"/>
-                    <a:lumOff val="25000"/>
-                  </a:schemeClr>
-                </a:solidFill>
-                <a:latin typeface="Montserrat" pitchFamily="2" charset="77"/>
-              </a:rPr>
-            </a:br>
-            <a:endParaRPr lang="en-US" dirty="0"/>
+              <a:rPr lang="en-US" sz="3200" b="1" dirty="0">
+                <a:latin typeface="Montserrat" panose="00000500000000000000" pitchFamily="2" charset="0"/>
+              </a:rPr>
+              <a:t>Recap of Formula Encyclopedia 1.0</a:t>
+            </a:r>
           </a:p>
         </p:txBody>
       </p:sp>
@@ -4075,7 +4802,7 @@
           <p:cNvPr id="3" name="Content Placeholder 2">
             <a:extLst>
               <a:ext uri="{FF2B5EF4-FFF2-40B4-BE49-F238E27FC236}">
-                <a16:creationId xmlns:a16="http://schemas.microsoft.com/office/drawing/2014/main" id="{D5C7B790-4849-58AD-8141-6EE1D875CD09}"/>
+                <a16:creationId xmlns:a16="http://schemas.microsoft.com/office/drawing/2014/main" id="{6495CD0E-E2D4-A7D1-8BF9-356535863C45}"/>
               </a:ext>
             </a:extLst>
           </p:cNvPr>
@@ -4086,67 +4813,73 @@
             <p:ph idx="1"/>
           </p:nvPr>
         </p:nvSpPr>
-        <p:spPr/>
+        <p:spPr>
+          <a:xfrm>
+            <a:off x="838200" y="1844675"/>
+            <a:ext cx="10515600" cy="4351338"/>
+          </a:xfrm>
+        </p:spPr>
         <p:txBody>
           <a:bodyPr>
-            <a:normAutofit lnSpcReduction="10000"/>
+            <a:normAutofit/>
           </a:bodyPr>
           <a:lstStyle/>
           <a:p>
-            <a:pPr algn="just"/>
-            <a:r>
-              <a:rPr lang="en-US" sz="2400" dirty="0">
-                <a:solidFill>
-                  <a:srgbClr val="000000"/>
-                </a:solidFill>
-                <a:effectLst/>
-                <a:ea typeface="Times New Roman" panose="02020603050405020304" pitchFamily="18" charset="0"/>
-              </a:rPr>
-              <a:t>“Formula Encyclopedia 2.0” is the refurbished version of our first project “Formula Encyclopedia” related with all the formula required for the students. As finding a certain formula can get difficult, in general, this program is made to provide the users each and every formula required in the semesters of BCT. </a:t>
-            </a:r>
-          </a:p>
-          <a:p>
-            <a:pPr algn="just"/>
-            <a:r>
-              <a:rPr lang="en-US" sz="2400" dirty="0">
-                <a:solidFill>
-                  <a:srgbClr val="000000"/>
-                </a:solidFill>
-                <a:effectLst/>
-                <a:ea typeface="Times New Roman" panose="02020603050405020304" pitchFamily="18" charset="0"/>
-              </a:rPr>
-              <a:t>Sometimes it can be difficult to come up with a solution to a certain issue. In turn, the solution to the problem cannot advance if a specific formula cannot be found. Finding the right formulas can be particularly challenging for pupils since there may be several formulas for a same problem.</a:t>
-            </a:r>
-          </a:p>
-          <a:p>
-            <a:pPr algn="just"/>
-            <a:r>
-              <a:rPr lang="en-US" sz="2400" dirty="0"/>
-              <a:t>Right Now, our app only supports limited formulas used in the first ,second and third semester course of field of Computer Engineering at IOE</a:t>
-            </a:r>
-          </a:p>
-          <a:p>
-            <a:pPr algn="just"/>
-            <a:r>
-              <a:rPr lang="en-US" sz="2400" dirty="0"/>
-              <a:t>Furthermore, this app  provides the quick search feature as well as the subject-wise categorization of the formulae.</a:t>
+            <a:r>
+              <a:rPr lang="en-US" sz="2600" dirty="0">
+                <a:latin typeface="Montserrat" panose="00000500000000000000" pitchFamily="2" charset="0"/>
+              </a:rPr>
+              <a:t>CLI-based app</a:t>
             </a:r>
           </a:p>
           <a:p>
             <a:pPr marL="0" indent="0">
               <a:buNone/>
             </a:pPr>
-            <a:endParaRPr lang="en-US" sz="2400" dirty="0"/>
-          </a:p>
-          <a:p>
-            <a:endParaRPr lang="en-US" sz="2400" dirty="0"/>
+            <a:endParaRPr lang="en-US" sz="2600" dirty="0">
+              <a:latin typeface="Montserrat" panose="00000500000000000000" pitchFamily="2" charset="0"/>
+            </a:endParaRPr>
+          </a:p>
+          <a:p>
+            <a:r>
+              <a:rPr lang="en-US" sz="2600" dirty="0">
+                <a:latin typeface="Montserrat" panose="00000500000000000000" pitchFamily="2" charset="0"/>
+              </a:rPr>
+              <a:t>Formulas stored as .txt files</a:t>
+            </a:r>
+          </a:p>
+          <a:p>
+            <a:endParaRPr lang="en-US" sz="2600" dirty="0">
+              <a:latin typeface="Montserrat" panose="00000500000000000000" pitchFamily="2" charset="0"/>
+            </a:endParaRPr>
+          </a:p>
+          <a:p>
+            <a:r>
+              <a:rPr lang="en-US" sz="2600" dirty="0">
+                <a:latin typeface="Montserrat" panose="00000500000000000000" pitchFamily="2" charset="0"/>
+              </a:rPr>
+              <a:t>Use of file handling to add, remove and display formulas</a:t>
+            </a:r>
+          </a:p>
+          <a:p>
+            <a:endParaRPr lang="en-US" sz="2600" dirty="0">
+              <a:latin typeface="Montserrat" panose="00000500000000000000" pitchFamily="2" charset="0"/>
+            </a:endParaRPr>
+          </a:p>
+          <a:p>
+            <a:r>
+              <a:rPr lang="en-US" sz="2600" dirty="0">
+                <a:latin typeface="Montserrat" panose="00000500000000000000" pitchFamily="2" charset="0"/>
+              </a:rPr>
+              <a:t>Hard to use, non-aesthetic</a:t>
+            </a:r>
           </a:p>
         </p:txBody>
       </p:sp>
     </p:spTree>
     <p:extLst>
       <p:ext uri="{BB962C8B-B14F-4D97-AF65-F5344CB8AC3E}">
-        <p14:creationId xmlns:p14="http://schemas.microsoft.com/office/powerpoint/2010/main" val="3077445190"/>
+        <p14:creationId xmlns:p14="http://schemas.microsoft.com/office/powerpoint/2010/main" val="4263595543"/>
       </p:ext>
     </p:extLst>
   </p:cSld>
@@ -4178,7 +4911,7 @@
           <p:cNvPr id="2" name="Title 1">
             <a:extLst>
               <a:ext uri="{FF2B5EF4-FFF2-40B4-BE49-F238E27FC236}">
-                <a16:creationId xmlns:a16="http://schemas.microsoft.com/office/drawing/2014/main" id="{F924460D-A4DD-B58D-73AD-0FE5DBFE6469}"/>
+                <a16:creationId xmlns:a16="http://schemas.microsoft.com/office/drawing/2014/main" id="{29DB3B73-8AC6-D246-BCFD-D837E529819C}"/>
               </a:ext>
             </a:extLst>
           </p:cNvPr>
@@ -4192,73 +4925,90 @@
         <p:spPr/>
         <p:txBody>
           <a:bodyPr>
-            <a:normAutofit fontScale="90000"/>
+            <a:normAutofit/>
           </a:bodyPr>
           <a:lstStyle/>
           <a:p>
             <a:pPr algn="ctr"/>
             <a:r>
-              <a:rPr lang="en-US" sz="3600" b="1" spc="300" dirty="0">
-                <a:latin typeface="Montserrat" pitchFamily="2" charset="77"/>
-              </a:rPr>
-              <a:t>Why</a:t>
-            </a:r>
-            <a:r>
-              <a:rPr lang="en-US" sz="4400" b="1" spc="300" dirty="0">
-                <a:latin typeface="Montserrat" pitchFamily="2" charset="77"/>
-              </a:rPr>
-              <a:t> Formulae Encyclopedia 2.0?</a:t>
-            </a:r>
-            <a:br>
-              <a:rPr lang="x-none" sz="4400" b="1" spc="300" dirty="0">
-                <a:latin typeface="Montserrat" pitchFamily="2" charset="77"/>
-              </a:rPr>
-            </a:br>
-            <a:endParaRPr lang="en-US" dirty="0"/>
-          </a:p>
-        </p:txBody>
-      </p:sp>
-      <p:sp>
-        <p:nvSpPr>
-          <p:cNvPr id="3" name="Content Placeholder 2">
-            <a:extLst>
-              <a:ext uri="{FF2B5EF4-FFF2-40B4-BE49-F238E27FC236}">
-                <a16:creationId xmlns:a16="http://schemas.microsoft.com/office/drawing/2014/main" id="{2AD628C7-6944-3C23-91AC-EA4E032F17CF}"/>
-              </a:ext>
-            </a:extLst>
-          </p:cNvPr>
-          <p:cNvSpPr>
-            <a:spLocks noGrp="1"/>
-          </p:cNvSpPr>
+              <a:rPr lang="en-US" sz="3200" b="1" dirty="0">
+                <a:latin typeface="Montserrat" panose="00000500000000000000" pitchFamily="2" charset="0"/>
+              </a:rPr>
+              <a:t>Recap of Formula Encyclopedia 1.0</a:t>
+            </a:r>
+          </a:p>
+        </p:txBody>
+      </p:sp>
+      <p:pic>
+        <p:nvPicPr>
+          <p:cNvPr id="5" name="Content Placeholder 4">
+            <a:extLst>
+              <a:ext uri="{FF2B5EF4-FFF2-40B4-BE49-F238E27FC236}">
+                <a16:creationId xmlns:a16="http://schemas.microsoft.com/office/drawing/2014/main" id="{491FA404-725D-2AEA-1C2E-E7CD2523C425}"/>
+              </a:ext>
+            </a:extLst>
+          </p:cNvPr>
+          <p:cNvPicPr>
+            <a:picLocks noGrp="1" noChangeAspect="1"/>
+          </p:cNvPicPr>
           <p:nvPr>
             <p:ph idx="1"/>
           </p:nvPr>
-        </p:nvSpPr>
-        <p:spPr/>
-        <p:txBody>
-          <a:bodyPr/>
-          <a:lstStyle/>
-          <a:p>
-            <a:pPr marL="0" indent="0" algn="just">
-              <a:buNone/>
-            </a:pPr>
-            <a:r>
-              <a:rPr lang="en-US" sz="2800" dirty="0"/>
-              <a:t>As we are all aware , engineering is one of the toughest study field with the widest variety in the course content which covers almost every discipline of science and math. Hence there is no ignorance of the fact that every students pursuing this field are pressurized by the humongous number of the formulae it accompanies burdening the students to remember them. Therefore , Formulae encyclopedia 2.0 comes in handy as a great assistance for the students. </a:t>
-            </a:r>
-          </a:p>
-          <a:p>
-            <a:pPr marL="0" indent="0">
-              <a:buNone/>
-            </a:pPr>
-            <a:endParaRPr lang="en-US" dirty="0"/>
+        </p:nvPicPr>
+        <p:blipFill>
+          <a:blip r:embed="rId2"/>
+          <a:stretch>
+            <a:fillRect/>
+          </a:stretch>
+        </p:blipFill>
+        <p:spPr>
+          <a:xfrm>
+            <a:off x="1818618" y="2635837"/>
+            <a:ext cx="8106431" cy="3857038"/>
+          </a:xfrm>
+        </p:spPr>
+      </p:pic>
+      <p:sp>
+        <p:nvSpPr>
+          <p:cNvPr id="7" name="TextBox 6">
+            <a:extLst>
+              <a:ext uri="{FF2B5EF4-FFF2-40B4-BE49-F238E27FC236}">
+                <a16:creationId xmlns:a16="http://schemas.microsoft.com/office/drawing/2014/main" id="{DE189F9F-7C4B-D00B-90AE-587EE2958974}"/>
+              </a:ext>
+            </a:extLst>
+          </p:cNvPr>
+          <p:cNvSpPr txBox="1"/>
+          <p:nvPr/>
+        </p:nvSpPr>
+        <p:spPr>
+          <a:xfrm>
+            <a:off x="1818618" y="2112617"/>
+            <a:ext cx="3057525" cy="523220"/>
+          </a:xfrm>
+          <a:prstGeom prst="rect">
+            <a:avLst/>
+          </a:prstGeom>
+          <a:noFill/>
+        </p:spPr>
+        <p:txBody>
+          <a:bodyPr wrap="square" rtlCol="0">
+            <a:spAutoFit/>
+          </a:bodyPr>
+          <a:lstStyle/>
+          <a:p>
+            <a:r>
+              <a:rPr lang="en-US" sz="2800" dirty="0">
+                <a:latin typeface="Montserrat" panose="00000500000000000000" pitchFamily="2" charset="0"/>
+              </a:rPr>
+              <a:t>Home Screen</a:t>
+            </a:r>
           </a:p>
         </p:txBody>
       </p:sp>
     </p:spTree>
     <p:extLst>
       <p:ext uri="{BB962C8B-B14F-4D97-AF65-F5344CB8AC3E}">
-        <p14:creationId xmlns:p14="http://schemas.microsoft.com/office/powerpoint/2010/main" val="191815182"/>
+        <p14:creationId xmlns:p14="http://schemas.microsoft.com/office/powerpoint/2010/main" val="1215340712"/>
       </p:ext>
     </p:extLst>
   </p:cSld>
@@ -4290,7 +5040,7 @@
           <p:cNvPr id="2" name="Title 1">
             <a:extLst>
               <a:ext uri="{FF2B5EF4-FFF2-40B4-BE49-F238E27FC236}">
-                <a16:creationId xmlns:a16="http://schemas.microsoft.com/office/drawing/2014/main" id="{B854AED5-711E-12EE-0488-052F10908149}"/>
+                <a16:creationId xmlns:a16="http://schemas.microsoft.com/office/drawing/2014/main" id="{29DB3B73-8AC6-D246-BCFD-D837E529819C}"/>
               </a:ext>
             </a:extLst>
           </p:cNvPr>
@@ -4310,80 +5060,83 @@
           <a:p>
             <a:pPr algn="ctr"/>
             <a:r>
-              <a:rPr lang="en-US" sz="3200" b="1" i="0" dirty="0">
-                <a:solidFill>
-                  <a:srgbClr val="404040"/>
-                </a:solidFill>
-                <a:effectLst/>
-                <a:latin typeface="Montserrat" panose="00000500000000000000" pitchFamily="2" charset="0"/>
-              </a:rPr>
-              <a:t>Methodology</a:t>
-            </a:r>
-            <a:endParaRPr lang="en-US" sz="3200" dirty="0"/>
-          </a:p>
-        </p:txBody>
-      </p:sp>
-      <p:sp>
-        <p:nvSpPr>
-          <p:cNvPr id="3" name="Content Placeholder 2">
-            <a:extLst>
-              <a:ext uri="{FF2B5EF4-FFF2-40B4-BE49-F238E27FC236}">
-                <a16:creationId xmlns:a16="http://schemas.microsoft.com/office/drawing/2014/main" id="{451D4E24-37EF-592A-138D-1499B8718E5A}"/>
-              </a:ext>
-            </a:extLst>
-          </p:cNvPr>
-          <p:cNvSpPr>
-            <a:spLocks noGrp="1"/>
-          </p:cNvSpPr>
-          <p:nvPr>
-            <p:ph idx="1"/>
-          </p:nvPr>
-        </p:nvSpPr>
-        <p:spPr/>
-        <p:txBody>
-          <a:bodyPr/>
-          <a:lstStyle/>
-          <a:p>
-            <a:pPr algn="just"/>
+              <a:rPr lang="en-US" sz="3200" b="1" dirty="0">
+                <a:latin typeface="Montserrat" panose="00000500000000000000" pitchFamily="2" charset="0"/>
+              </a:rPr>
+              <a:t>Recap of Formula Encyclopedia 1.0</a:t>
+            </a:r>
+          </a:p>
+        </p:txBody>
+      </p:sp>
+      <p:pic>
+        <p:nvPicPr>
+          <p:cNvPr id="8" name="Picture 7">
+            <a:extLst>
+              <a:ext uri="{FF2B5EF4-FFF2-40B4-BE49-F238E27FC236}">
+                <a16:creationId xmlns:a16="http://schemas.microsoft.com/office/drawing/2014/main" id="{BDEAFCA8-4D72-28D3-F6F8-757FF0FFF95B}"/>
+              </a:ext>
+            </a:extLst>
+          </p:cNvPr>
+          <p:cNvPicPr>
+            <a:picLocks noChangeAspect="1"/>
+          </p:cNvPicPr>
+          <p:nvPr/>
+        </p:nvPicPr>
+        <p:blipFill>
+          <a:blip r:embed="rId2"/>
+          <a:stretch>
+            <a:fillRect/>
+          </a:stretch>
+        </p:blipFill>
+        <p:spPr>
+          <a:xfrm>
+            <a:off x="1905000" y="2284274"/>
+            <a:ext cx="7581900" cy="4327916"/>
+          </a:xfrm>
+          <a:prstGeom prst="rect">
+            <a:avLst/>
+          </a:prstGeom>
+        </p:spPr>
+      </p:pic>
+      <p:sp>
+        <p:nvSpPr>
+          <p:cNvPr id="9" name="TextBox 8">
+            <a:extLst>
+              <a:ext uri="{FF2B5EF4-FFF2-40B4-BE49-F238E27FC236}">
+                <a16:creationId xmlns:a16="http://schemas.microsoft.com/office/drawing/2014/main" id="{D7428736-90DB-D58E-3765-C41AC53F71FD}"/>
+              </a:ext>
+            </a:extLst>
+          </p:cNvPr>
+          <p:cNvSpPr txBox="1"/>
+          <p:nvPr/>
+        </p:nvSpPr>
+        <p:spPr>
+          <a:xfrm>
+            <a:off x="1905000" y="1725871"/>
+            <a:ext cx="3749454" cy="523220"/>
+          </a:xfrm>
+          <a:prstGeom prst="rect">
+            <a:avLst/>
+          </a:prstGeom>
+          <a:noFill/>
+        </p:spPr>
+        <p:txBody>
+          <a:bodyPr wrap="square" rtlCol="0">
+            <a:spAutoFit/>
+          </a:bodyPr>
+          <a:lstStyle/>
+          <a:p>
             <a:r>
               <a:rPr lang="en-US" sz="2800" dirty="0"/>
-              <a:t>The core programming of this project has been written on Qt 5.0 Code and compiled using g++.</a:t>
-            </a:r>
-          </a:p>
-          <a:p>
-            <a:pPr algn="just"/>
-            <a:r>
-              <a:rPr lang="en-US" dirty="0"/>
-              <a:t>The project has been achieved with the help of built in templates of Qt 5.0</a:t>
-            </a:r>
-            <a:endParaRPr lang="en-US" sz="2800" dirty="0"/>
-          </a:p>
-          <a:p>
-            <a:pPr algn="just"/>
-            <a:r>
-              <a:rPr lang="en-US" sz="2800" dirty="0"/>
-              <a:t>We’ve used database management system(MYSQL) to manage the formula database and login credentials.</a:t>
-            </a:r>
-          </a:p>
-          <a:p>
-            <a:pPr algn="just"/>
-            <a:r>
-              <a:rPr lang="en-US" sz="2800" dirty="0"/>
-              <a:t>Database management and GUI is the fundamental aspect of this application</a:t>
-            </a:r>
-          </a:p>
-          <a:p>
-            <a:pPr marL="0" indent="0">
-              <a:buNone/>
-            </a:pPr>
-            <a:endParaRPr lang="en-US" dirty="0"/>
+              <a:t>Displaying Formulas :</a:t>
+            </a:r>
           </a:p>
         </p:txBody>
       </p:sp>
     </p:spTree>
     <p:extLst>
       <p:ext uri="{BB962C8B-B14F-4D97-AF65-F5344CB8AC3E}">
-        <p14:creationId xmlns:p14="http://schemas.microsoft.com/office/powerpoint/2010/main" val="3861016299"/>
+        <p14:creationId xmlns:p14="http://schemas.microsoft.com/office/powerpoint/2010/main" val="2476735405"/>
       </p:ext>
     </p:extLst>
   </p:cSld>
@@ -4415,7 +5168,7 @@
           <p:cNvPr id="2" name="Title 1">
             <a:extLst>
               <a:ext uri="{FF2B5EF4-FFF2-40B4-BE49-F238E27FC236}">
-                <a16:creationId xmlns:a16="http://schemas.microsoft.com/office/drawing/2014/main" id="{CC3D1233-F1E0-50FC-CF49-D9EA2A560735}"/>
+                <a16:creationId xmlns:a16="http://schemas.microsoft.com/office/drawing/2014/main" id="{AC75336C-BB71-5EE8-F0C6-5DA61B707D52}"/>
               </a:ext>
             </a:extLst>
           </p:cNvPr>
@@ -4427,249 +5180,170 @@
           </p:nvPr>
         </p:nvSpPr>
         <p:spPr/>
+        <p:txBody>
+          <a:bodyPr>
+            <a:noAutofit/>
+          </a:bodyPr>
+          <a:lstStyle/>
+          <a:p>
+            <a:pPr algn="ctr"/>
+            <a:r>
+              <a:rPr lang="en-US" sz="3200" b="1" spc="300" dirty="0">
+                <a:solidFill>
+                  <a:schemeClr val="tx1">
+                    <a:lumMod val="75000"/>
+                    <a:lumOff val="25000"/>
+                  </a:schemeClr>
+                </a:solidFill>
+                <a:latin typeface="Montserrat" pitchFamily="2" charset="77"/>
+              </a:rPr>
+              <a:t>Introduction To Formulae Encyclopedia 2.0</a:t>
+            </a:r>
+            <a:br>
+              <a:rPr lang="x-none" sz="3200" b="1" spc="300" dirty="0">
+                <a:solidFill>
+                  <a:schemeClr val="tx1">
+                    <a:lumMod val="75000"/>
+                    <a:lumOff val="25000"/>
+                  </a:schemeClr>
+                </a:solidFill>
+                <a:latin typeface="Montserrat" pitchFamily="2" charset="77"/>
+              </a:rPr>
+            </a:br>
+            <a:endParaRPr lang="en-US" sz="3200" dirty="0"/>
+          </a:p>
+        </p:txBody>
+      </p:sp>
+      <p:sp>
+        <p:nvSpPr>
+          <p:cNvPr id="3" name="Content Placeholder 2">
+            <a:extLst>
+              <a:ext uri="{FF2B5EF4-FFF2-40B4-BE49-F238E27FC236}">
+                <a16:creationId xmlns:a16="http://schemas.microsoft.com/office/drawing/2014/main" id="{D5C7B790-4849-58AD-8141-6EE1D875CD09}"/>
+              </a:ext>
+            </a:extLst>
+          </p:cNvPr>
+          <p:cNvSpPr>
+            <a:spLocks noGrp="1"/>
+          </p:cNvSpPr>
+          <p:nvPr>
+            <p:ph idx="1"/>
+          </p:nvPr>
+        </p:nvSpPr>
+        <p:spPr>
+          <a:xfrm>
+            <a:off x="838200" y="1816100"/>
+            <a:ext cx="10515600" cy="4351338"/>
+          </a:xfrm>
+        </p:spPr>
         <p:txBody>
           <a:bodyPr>
             <a:normAutofit/>
           </a:bodyPr>
           <a:lstStyle/>
           <a:p>
-            <a:pPr algn="ctr"/>
-            <a:r>
-              <a:rPr lang="en-US" sz="3200" b="1" i="0" dirty="0">
-                <a:solidFill>
-                  <a:srgbClr val="404040"/>
-                </a:solidFill>
-                <a:effectLst/>
-                <a:latin typeface="Montserrat" panose="00000500000000000000" pitchFamily="2" charset="0"/>
-              </a:rPr>
-              <a:t>Methodology</a:t>
-            </a:r>
-            <a:endParaRPr lang="en-US" sz="3200" dirty="0"/>
-          </a:p>
-        </p:txBody>
-      </p:sp>
-      <p:sp>
-        <p:nvSpPr>
-          <p:cNvPr id="5" name="Content Placeholder 4">
-            <a:extLst>
-              <a:ext uri="{FF2B5EF4-FFF2-40B4-BE49-F238E27FC236}">
-                <a16:creationId xmlns:a16="http://schemas.microsoft.com/office/drawing/2014/main" id="{8D2433A4-C4AD-F8BF-0176-09E5943F2C05}"/>
-              </a:ext>
-            </a:extLst>
-          </p:cNvPr>
-          <p:cNvSpPr>
-            <a:spLocks noGrp="1"/>
-          </p:cNvSpPr>
-          <p:nvPr>
-            <p:ph sz="half" idx="2"/>
-          </p:nvPr>
-        </p:nvSpPr>
-        <p:spPr/>
-        <p:txBody>
-          <a:bodyPr>
-            <a:normAutofit fontScale="85000" lnSpcReduction="20000"/>
-          </a:bodyPr>
-          <a:lstStyle/>
-          <a:p>
-            <a:pPr marL="285750" indent="-285750">
-              <a:lnSpc>
-                <a:spcPct val="150000"/>
-              </a:lnSpc>
-              <a:buFont typeface="Arial"/>
-              <a:buChar char="•"/>
-            </a:pPr>
-            <a:r>
-              <a:rPr lang="en-US" dirty="0">
-                <a:cs typeface="Calibri"/>
-              </a:rPr>
-              <a:t>GUI based Application</a:t>
-            </a:r>
-          </a:p>
-          <a:p>
-            <a:pPr marL="285750" indent="-285750">
-              <a:lnSpc>
-                <a:spcPct val="150000"/>
-              </a:lnSpc>
-              <a:buFont typeface="Arial"/>
-              <a:buChar char="•"/>
-            </a:pPr>
-            <a:r>
-              <a:rPr lang="en-US" dirty="0">
-                <a:cs typeface="Calibri"/>
-              </a:rPr>
-              <a:t>Has 3 different modes to log in</a:t>
-            </a:r>
-          </a:p>
-          <a:p>
-            <a:pPr marL="914400" lvl="1" indent="-457200">
-              <a:lnSpc>
-                <a:spcPct val="150000"/>
-              </a:lnSpc>
-              <a:buFont typeface="+mj-lt"/>
-              <a:buAutoNum type="arabicPeriod"/>
-            </a:pPr>
-            <a:r>
-              <a:rPr lang="en-US" dirty="0">
-                <a:cs typeface="Calibri"/>
-              </a:rPr>
-              <a:t>Admin</a:t>
-            </a:r>
-          </a:p>
-          <a:p>
-            <a:pPr lvl="2">
-              <a:lnSpc>
-                <a:spcPct val="150000"/>
-              </a:lnSpc>
-              <a:buFont typeface="Wingdings" panose="05000000000000000000" pitchFamily="2" charset="2"/>
-              <a:buChar char="Ø"/>
-            </a:pPr>
-            <a:r>
-              <a:rPr lang="en-US" sz="1800" dirty="0">
-                <a:solidFill>
-                  <a:srgbClr val="000000"/>
-                </a:solidFill>
-                <a:latin typeface="Times New Roman" panose="02020603050405020304" pitchFamily="18" charset="0"/>
-                <a:ea typeface="Times New Roman" panose="02020603050405020304" pitchFamily="18" charset="0"/>
-              </a:rPr>
-              <a:t>To</a:t>
-            </a:r>
-            <a:r>
-              <a:rPr lang="en-US" sz="1800" dirty="0">
+            <a:pPr algn="just"/>
+            <a:r>
+              <a:rPr lang="en-US" sz="2600" dirty="0">
                 <a:solidFill>
                   <a:srgbClr val="000000"/>
                 </a:solidFill>
                 <a:effectLst/>
-                <a:latin typeface="Times New Roman" panose="02020603050405020304" pitchFamily="18" charset="0"/>
+                <a:latin typeface="Montserrat" panose="00000500000000000000" pitchFamily="2" charset="0"/>
                 <a:ea typeface="Times New Roman" panose="02020603050405020304" pitchFamily="18" charset="0"/>
               </a:rPr>
-              <a:t> register, delete, view users</a:t>
-            </a:r>
-            <a:endParaRPr lang="en-US" dirty="0">
-              <a:cs typeface="Calibri"/>
+              <a:t>Improved version of CLI-based Formula Encyclopedia</a:t>
+            </a:r>
+          </a:p>
+          <a:p>
+            <a:pPr marL="0" indent="0" algn="just">
+              <a:buNone/>
+            </a:pPr>
+            <a:endParaRPr lang="en-US" sz="2600" dirty="0">
+              <a:solidFill>
+                <a:srgbClr val="000000"/>
+              </a:solidFill>
+              <a:effectLst/>
+              <a:latin typeface="Montserrat" panose="00000500000000000000" pitchFamily="2" charset="0"/>
+              <a:ea typeface="Times New Roman" panose="02020603050405020304" pitchFamily="18" charset="0"/>
             </a:endParaRPr>
           </a:p>
           <a:p>
-            <a:pPr marL="914400" lvl="1" indent="-457200">
-              <a:lnSpc>
-                <a:spcPct val="150000"/>
-              </a:lnSpc>
-              <a:buFont typeface="+mj-lt"/>
-              <a:buAutoNum type="arabicPeriod"/>
+            <a:pPr algn="just"/>
+            <a:r>
+              <a:rPr lang="en-US" sz="2600" dirty="0">
+                <a:solidFill>
+                  <a:srgbClr val="000000"/>
+                </a:solidFill>
+                <a:effectLst/>
+                <a:latin typeface="Montserrat" panose="00000500000000000000" pitchFamily="2" charset="0"/>
+                <a:ea typeface="Times New Roman" panose="02020603050405020304" pitchFamily="18" charset="0"/>
+              </a:rPr>
+              <a:t>Use of MySQL and QT libraries for development.</a:t>
+            </a:r>
+          </a:p>
+          <a:p>
+            <a:pPr marL="0" indent="0" algn="just">
+              <a:buNone/>
             </a:pPr>
-            <a:r>
-              <a:rPr lang="en-US" dirty="0">
-                <a:cs typeface="Calibri"/>
-              </a:rPr>
-              <a:t>User</a:t>
-            </a:r>
-          </a:p>
-          <a:p>
-            <a:pPr lvl="2">
-              <a:lnSpc>
-                <a:spcPct val="150000"/>
-              </a:lnSpc>
-              <a:buFont typeface="Wingdings" panose="05000000000000000000" pitchFamily="2" charset="2"/>
-              <a:buChar char="Ø"/>
+            <a:endParaRPr lang="en-US" sz="2600" dirty="0">
+              <a:solidFill>
+                <a:srgbClr val="000000"/>
+              </a:solidFill>
+              <a:effectLst/>
+              <a:latin typeface="Montserrat" panose="00000500000000000000" pitchFamily="2" charset="0"/>
+              <a:ea typeface="Times New Roman" panose="02020603050405020304" pitchFamily="18" charset="0"/>
+            </a:endParaRPr>
+          </a:p>
+          <a:p>
+            <a:pPr algn="just"/>
+            <a:r>
+              <a:rPr lang="en-US" sz="2600" dirty="0">
+                <a:latin typeface="Montserrat" panose="00000500000000000000" pitchFamily="2" charset="0"/>
+              </a:rPr>
+              <a:t>Compiles formulae used in our engineering journey</a:t>
+            </a:r>
+          </a:p>
+          <a:p>
+            <a:pPr algn="just"/>
+            <a:endParaRPr lang="en-US" sz="2600" dirty="0">
+              <a:latin typeface="Montserrat" panose="00000500000000000000" pitchFamily="2" charset="0"/>
+            </a:endParaRPr>
+          </a:p>
+          <a:p>
+            <a:pPr algn="just"/>
+            <a:r>
+              <a:rPr lang="en-US" sz="2600" dirty="0">
+                <a:latin typeface="Montserrat" panose="00000500000000000000" pitchFamily="2" charset="0"/>
+              </a:rPr>
+              <a:t>Helps student focus on actual problem rather than wasting time to lookup formulas</a:t>
+            </a:r>
+          </a:p>
+          <a:p>
+            <a:pPr algn="just"/>
+            <a:endParaRPr lang="en-US" sz="2600" dirty="0">
+              <a:latin typeface="Montserrat" panose="00000500000000000000" pitchFamily="2" charset="0"/>
+            </a:endParaRPr>
+          </a:p>
+          <a:p>
+            <a:pPr marL="0" indent="0">
+              <a:buNone/>
             </a:pPr>
-            <a:r>
-              <a:rPr lang="en-US" dirty="0">
-                <a:cs typeface="Calibri"/>
-              </a:rPr>
-              <a:t> Look for a formula</a:t>
-            </a:r>
-          </a:p>
-          <a:p>
-            <a:pPr lvl="2">
-              <a:lnSpc>
-                <a:spcPct val="150000"/>
-              </a:lnSpc>
-              <a:buFont typeface="Wingdings" panose="05000000000000000000" pitchFamily="2" charset="2"/>
-              <a:buChar char="Ø"/>
-            </a:pPr>
-            <a:r>
-              <a:rPr lang="en-US" dirty="0">
-                <a:cs typeface="Calibri"/>
-              </a:rPr>
-              <a:t>View formula sorted by subjects</a:t>
-            </a:r>
-          </a:p>
-          <a:p>
-            <a:pPr marL="914400" lvl="1" indent="-457200">
-              <a:lnSpc>
-                <a:spcPct val="150000"/>
-              </a:lnSpc>
-              <a:buFont typeface="+mj-lt"/>
-              <a:buAutoNum type="arabicPeriod"/>
-            </a:pPr>
-            <a:r>
-              <a:rPr lang="en-US" dirty="0">
-                <a:cs typeface="Calibri"/>
-              </a:rPr>
-              <a:t>Guest</a:t>
-            </a:r>
-          </a:p>
-          <a:p>
-            <a:pPr lvl="2">
-              <a:lnSpc>
-                <a:spcPct val="150000"/>
-              </a:lnSpc>
-              <a:buFont typeface="Wingdings" panose="05000000000000000000" pitchFamily="2" charset="2"/>
-              <a:buChar char="Ø"/>
-            </a:pPr>
-            <a:r>
-              <a:rPr lang="en-US" dirty="0">
-                <a:cs typeface="Calibri"/>
-              </a:rPr>
-              <a:t>View limited formulas</a:t>
-            </a:r>
-          </a:p>
-          <a:p>
-            <a:pPr marL="0" indent="0">
-              <a:buNone/>
-            </a:pPr>
-            <a:endParaRPr lang="en-US" dirty="0"/>
-          </a:p>
-        </p:txBody>
-      </p:sp>
-      <p:pic>
-        <p:nvPicPr>
-          <p:cNvPr id="8" name="Content Placeholder 7">
-            <a:extLst>
-              <a:ext uri="{FF2B5EF4-FFF2-40B4-BE49-F238E27FC236}">
-                <a16:creationId xmlns:a16="http://schemas.microsoft.com/office/drawing/2014/main" id="{45ECB910-3B0E-0CBA-8F7B-31F797A1C471}"/>
-              </a:ext>
-            </a:extLst>
-          </p:cNvPr>
-          <p:cNvPicPr>
-            <a:picLocks noGrp="1" noChangeAspect="1"/>
-          </p:cNvPicPr>
-          <p:nvPr>
-            <p:ph sz="half" idx="1"/>
-          </p:nvPr>
-        </p:nvPicPr>
-        <p:blipFill>
-          <a:blip r:embed="rId2">
-            <a:extLst>
-              <a:ext uri="{28A0092B-C50C-407E-A947-70E740481C1C}">
-                <a14:useLocalDpi xmlns:a14="http://schemas.microsoft.com/office/drawing/2010/main" val="0"/>
-              </a:ext>
-            </a:extLst>
-          </a:blip>
-          <a:stretch>
-            <a:fillRect/>
-          </a:stretch>
-        </p:blipFill>
-        <p:spPr>
-          <a:xfrm>
-            <a:off x="1425677" y="1825625"/>
-            <a:ext cx="4178709" cy="4351338"/>
-          </a:xfrm>
-        </p:spPr>
-      </p:pic>
+            <a:endParaRPr lang="en-US" sz="2600" dirty="0">
+              <a:latin typeface="Montserrat" panose="00000500000000000000" pitchFamily="2" charset="0"/>
+            </a:endParaRPr>
+          </a:p>
+          <a:p>
+            <a:endParaRPr lang="en-US" sz="2600" dirty="0">
+              <a:latin typeface="Montserrat" panose="00000500000000000000" pitchFamily="2" charset="0"/>
+            </a:endParaRPr>
+          </a:p>
+        </p:txBody>
+      </p:sp>
     </p:spTree>
     <p:extLst>
       <p:ext uri="{BB962C8B-B14F-4D97-AF65-F5344CB8AC3E}">
-        <p14:creationId xmlns:p14="http://schemas.microsoft.com/office/powerpoint/2010/main" val="3783443623"/>
+        <p14:creationId xmlns:p14="http://schemas.microsoft.com/office/powerpoint/2010/main" val="3077445190"/>
       </p:ext>
     </p:extLst>
   </p:cSld>
@@ -4701,7 +5375,7 @@
           <p:cNvPr id="2" name="Title 1">
             <a:extLst>
               <a:ext uri="{FF2B5EF4-FFF2-40B4-BE49-F238E27FC236}">
-                <a16:creationId xmlns:a16="http://schemas.microsoft.com/office/drawing/2014/main" id="{01E2E49A-D3A0-2103-07F2-D6BB48E0741E}"/>
+                <a16:creationId xmlns:a16="http://schemas.microsoft.com/office/drawing/2014/main" id="{F924460D-A4DD-B58D-73AD-0FE5DBFE6469}"/>
               </a:ext>
             </a:extLst>
           </p:cNvPr>
@@ -4712,37 +5386,25 @@
             <p:ph type="title"/>
           </p:nvPr>
         </p:nvSpPr>
-        <p:spPr>
-          <a:xfrm>
-            <a:off x="838200" y="306132"/>
-            <a:ext cx="10515600" cy="1325563"/>
-          </a:xfrm>
-        </p:spPr>
-        <p:txBody>
-          <a:bodyPr/>
+        <p:spPr/>
+        <p:txBody>
+          <a:bodyPr>
+            <a:normAutofit/>
+          </a:bodyPr>
           <a:lstStyle/>
           <a:p>
             <a:pPr algn="ctr"/>
             <a:r>
-              <a:rPr lang="en-US" sz="4400" b="1" i="0" dirty="0">
-                <a:solidFill>
-                  <a:srgbClr val="404040"/>
-                </a:solidFill>
-                <a:effectLst/>
-                <a:latin typeface="Montserrat" panose="00000500000000000000" pitchFamily="2" charset="0"/>
-              </a:rPr>
-              <a:t> </a:t>
-            </a:r>
-            <a:r>
-              <a:rPr lang="en-US" sz="3200" b="1" i="0" dirty="0">
-                <a:solidFill>
-                  <a:srgbClr val="404040"/>
-                </a:solidFill>
-                <a:effectLst/>
-                <a:latin typeface="Montserrat" panose="00000500000000000000" pitchFamily="2" charset="0"/>
-              </a:rPr>
-              <a:t>Methodology</a:t>
-            </a:r>
+              <a:rPr lang="en-US" sz="3200" b="1" spc="300" dirty="0">
+                <a:latin typeface="Montserrat" pitchFamily="2" charset="77"/>
+              </a:rPr>
+              <a:t>Why Formulae Encyclopedia 2.0?</a:t>
+            </a:r>
+            <a:br>
+              <a:rPr lang="x-none" sz="3200" b="1" spc="300" dirty="0">
+                <a:latin typeface="Montserrat" pitchFamily="2" charset="77"/>
+              </a:rPr>
+            </a:br>
             <a:endParaRPr lang="en-US" sz="3200" dirty="0"/>
           </a:p>
         </p:txBody>
@@ -4752,38 +5414,91 @@
           <p:cNvPr id="3" name="Content Placeholder 2">
             <a:extLst>
               <a:ext uri="{FF2B5EF4-FFF2-40B4-BE49-F238E27FC236}">
-                <a16:creationId xmlns:a16="http://schemas.microsoft.com/office/drawing/2014/main" id="{1B845568-312D-7D6F-42BD-536E2E916A39}"/>
-              </a:ext>
-            </a:extLst>
-          </p:cNvPr>
-          <p:cNvSpPr>
-            <a:spLocks noGrp="1"/>
-          </p:cNvSpPr>
-          <p:nvPr>
-            <p:ph sz="half" idx="1"/>
-          </p:nvPr>
-        </p:nvSpPr>
-        <p:spPr>
-          <a:xfrm>
-            <a:off x="838200" y="1825625"/>
-            <a:ext cx="10515600" cy="4351338"/>
-          </a:xfrm>
-        </p:spPr>
-        <p:txBody>
-          <a:bodyPr/>
-          <a:lstStyle/>
+                <a16:creationId xmlns:a16="http://schemas.microsoft.com/office/drawing/2014/main" id="{2AD628C7-6944-3C23-91AC-EA4E032F17CF}"/>
+              </a:ext>
+            </a:extLst>
+          </p:cNvPr>
+          <p:cNvSpPr>
+            <a:spLocks noGrp="1"/>
+          </p:cNvSpPr>
+          <p:nvPr>
+            <p:ph idx="1"/>
+          </p:nvPr>
+        </p:nvSpPr>
+        <p:spPr/>
+        <p:txBody>
+          <a:bodyPr>
+            <a:normAutofit/>
+          </a:bodyPr>
+          <a:lstStyle/>
+          <a:p>
+            <a:pPr algn="just"/>
+            <a:r>
+              <a:rPr lang="en-US" sz="2600" dirty="0">
+                <a:latin typeface="Montserrat" panose="00000500000000000000" pitchFamily="2" charset="0"/>
+              </a:rPr>
+              <a:t>Easy to eye, user friendly UI</a:t>
+            </a:r>
+          </a:p>
+          <a:p>
+            <a:pPr algn="just"/>
+            <a:endParaRPr lang="en-US" sz="2600" dirty="0">
+              <a:latin typeface="Montserrat" panose="00000500000000000000" pitchFamily="2" charset="0"/>
+            </a:endParaRPr>
+          </a:p>
+          <a:p>
+            <a:pPr algn="just"/>
+            <a:r>
+              <a:rPr lang="en-US" sz="2600" dirty="0">
+                <a:latin typeface="Montserrat" panose="00000500000000000000" pitchFamily="2" charset="0"/>
+              </a:rPr>
+              <a:t>Straight forward navigation</a:t>
+            </a:r>
+          </a:p>
+          <a:p>
+            <a:pPr algn="just"/>
+            <a:endParaRPr lang="en-US" sz="2600" dirty="0">
+              <a:latin typeface="Montserrat" panose="00000500000000000000" pitchFamily="2" charset="0"/>
+            </a:endParaRPr>
+          </a:p>
+          <a:p>
+            <a:pPr algn="just"/>
+            <a:r>
+              <a:rPr lang="en-US" sz="2600" dirty="0">
+                <a:latin typeface="Montserrat" panose="00000500000000000000" pitchFamily="2" charset="0"/>
+              </a:rPr>
+              <a:t>Subject-wise categorization</a:t>
+            </a:r>
+          </a:p>
+          <a:p>
+            <a:pPr algn="just"/>
+            <a:endParaRPr lang="en-US" sz="2600" dirty="0">
+              <a:latin typeface="Montserrat" panose="00000500000000000000" pitchFamily="2" charset="0"/>
+            </a:endParaRPr>
+          </a:p>
+          <a:p>
+            <a:pPr algn="just"/>
+            <a:r>
+              <a:rPr lang="en-US" sz="2600" dirty="0">
+                <a:latin typeface="Montserrat" panose="00000500000000000000" pitchFamily="2" charset="0"/>
+              </a:rPr>
+              <a:t>Fast, memory efficient, requires very less resource </a:t>
+            </a:r>
+          </a:p>
           <a:p>
             <a:pPr marL="0" indent="0">
               <a:buNone/>
             </a:pPr>
-            <a:endParaRPr lang="en-US" dirty="0"/>
+            <a:endParaRPr lang="en-US" sz="2600" dirty="0">
+              <a:latin typeface="Montserrat" panose="00000500000000000000" pitchFamily="2" charset="0"/>
+            </a:endParaRPr>
           </a:p>
         </p:txBody>
       </p:sp>
     </p:spTree>
     <p:extLst>
       <p:ext uri="{BB962C8B-B14F-4D97-AF65-F5344CB8AC3E}">
-        <p14:creationId xmlns:p14="http://schemas.microsoft.com/office/powerpoint/2010/main" val="4255943161"/>
+        <p14:creationId xmlns:p14="http://schemas.microsoft.com/office/powerpoint/2010/main" val="191815182"/>
       </p:ext>
     </p:extLst>
   </p:cSld>
@@ -4812,10 +5527,10 @@
       </p:grpSpPr>
       <p:sp>
         <p:nvSpPr>
-          <p:cNvPr id="5" name="Title 4">
-            <a:extLst>
-              <a:ext uri="{FF2B5EF4-FFF2-40B4-BE49-F238E27FC236}">
-                <a16:creationId xmlns:a16="http://schemas.microsoft.com/office/drawing/2014/main" id="{ADAB4753-FB16-41DA-0591-149DCA7A7A10}"/>
+          <p:cNvPr id="2" name="Title 1">
+            <a:extLst>
+              <a:ext uri="{FF2B5EF4-FFF2-40B4-BE49-F238E27FC236}">
+                <a16:creationId xmlns:a16="http://schemas.microsoft.com/office/drawing/2014/main" id="{CC3D1233-F1E0-50FC-CF49-D9EA2A560735}"/>
               </a:ext>
             </a:extLst>
           </p:cNvPr>
@@ -4835,21 +5550,219 @@
           <a:p>
             <a:pPr algn="ctr"/>
             <a:r>
-              <a:rPr lang="en-US" sz="3200" b="1" dirty="0">
-                <a:latin typeface="Montserrat" panose="00000500000000000000" pitchFamily="2" charset="0"/>
-              </a:rPr>
-              <a:t>Home Screen</a:t>
+              <a:rPr lang="en-US" sz="3200" b="1" i="0" dirty="0">
+                <a:solidFill>
+                  <a:srgbClr val="404040"/>
+                </a:solidFill>
+                <a:effectLst/>
+                <a:latin typeface="Montserrat" panose="00000500000000000000" pitchFamily="2" charset="0"/>
+              </a:rPr>
+              <a:t>Methodology</a:t>
             </a:r>
             <a:endParaRPr lang="en-US" sz="3200" dirty="0"/>
+          </a:p>
+        </p:txBody>
+      </p:sp>
+      <p:sp>
+        <p:nvSpPr>
+          <p:cNvPr id="5" name="Content Placeholder 4">
+            <a:extLst>
+              <a:ext uri="{FF2B5EF4-FFF2-40B4-BE49-F238E27FC236}">
+                <a16:creationId xmlns:a16="http://schemas.microsoft.com/office/drawing/2014/main" id="{8D2433A4-C4AD-F8BF-0176-09E5943F2C05}"/>
+              </a:ext>
+            </a:extLst>
+          </p:cNvPr>
+          <p:cNvSpPr>
+            <a:spLocks noGrp="1"/>
+          </p:cNvSpPr>
+          <p:nvPr>
+            <p:ph sz="half" idx="2"/>
+          </p:nvPr>
+        </p:nvSpPr>
+        <p:spPr/>
+        <p:txBody>
+          <a:bodyPr>
+            <a:normAutofit fontScale="85000" lnSpcReduction="20000"/>
+          </a:bodyPr>
+          <a:lstStyle/>
+          <a:p>
+            <a:pPr marL="285750" indent="-285750">
+              <a:lnSpc>
+                <a:spcPct val="150000"/>
+              </a:lnSpc>
+              <a:buFont typeface="Arial"/>
+              <a:buChar char="•"/>
+            </a:pPr>
+            <a:r>
+              <a:rPr lang="en-US" dirty="0">
+                <a:latin typeface="Montserrat" panose="00000500000000000000" pitchFamily="2" charset="0"/>
+                <a:cs typeface="Calibri"/>
+              </a:rPr>
+              <a:t>GUI based Application</a:t>
+            </a:r>
+          </a:p>
+          <a:p>
+            <a:pPr marL="285750" indent="-285750">
+              <a:lnSpc>
+                <a:spcPct val="150000"/>
+              </a:lnSpc>
+              <a:buFont typeface="Arial"/>
+              <a:buChar char="•"/>
+            </a:pPr>
+            <a:r>
+              <a:rPr lang="en-US" dirty="0">
+                <a:latin typeface="Montserrat" panose="00000500000000000000" pitchFamily="2" charset="0"/>
+                <a:cs typeface="Calibri"/>
+              </a:rPr>
+              <a:t>Has 3 different modes to log in</a:t>
+            </a:r>
+          </a:p>
+          <a:p>
+            <a:pPr marL="914400" lvl="1" indent="-457200">
+              <a:lnSpc>
+                <a:spcPct val="150000"/>
+              </a:lnSpc>
+              <a:buFont typeface="+mj-lt"/>
+              <a:buAutoNum type="arabicPeriod"/>
+            </a:pPr>
+            <a:r>
+              <a:rPr lang="en-US" dirty="0">
+                <a:latin typeface="Montserrat" panose="00000500000000000000" pitchFamily="2" charset="0"/>
+                <a:cs typeface="Calibri"/>
+              </a:rPr>
+              <a:t>Admin</a:t>
+            </a:r>
+          </a:p>
+          <a:p>
+            <a:pPr lvl="2">
+              <a:lnSpc>
+                <a:spcPct val="150000"/>
+              </a:lnSpc>
+              <a:buFont typeface="Wingdings" panose="05000000000000000000" pitchFamily="2" charset="2"/>
+              <a:buChar char="Ø"/>
+            </a:pPr>
+            <a:r>
+              <a:rPr lang="en-US" sz="1800" dirty="0">
+                <a:solidFill>
+                  <a:srgbClr val="000000"/>
+                </a:solidFill>
+                <a:latin typeface="Montserrat" panose="00000500000000000000" pitchFamily="2" charset="0"/>
+                <a:ea typeface="Times New Roman" panose="02020603050405020304" pitchFamily="18" charset="0"/>
+              </a:rPr>
+              <a:t>To</a:t>
+            </a:r>
+            <a:r>
+              <a:rPr lang="en-US" sz="1800" dirty="0">
+                <a:solidFill>
+                  <a:srgbClr val="000000"/>
+                </a:solidFill>
+                <a:effectLst/>
+                <a:latin typeface="Montserrat" panose="00000500000000000000" pitchFamily="2" charset="0"/>
+                <a:ea typeface="Times New Roman" panose="02020603050405020304" pitchFamily="18" charset="0"/>
+              </a:rPr>
+              <a:t> register, delete, view users</a:t>
+            </a:r>
+            <a:endParaRPr lang="en-US" dirty="0">
+              <a:latin typeface="Montserrat" panose="00000500000000000000" pitchFamily="2" charset="0"/>
+              <a:cs typeface="Calibri"/>
+            </a:endParaRPr>
+          </a:p>
+          <a:p>
+            <a:pPr marL="914400" lvl="1" indent="-457200">
+              <a:lnSpc>
+                <a:spcPct val="150000"/>
+              </a:lnSpc>
+              <a:buFont typeface="+mj-lt"/>
+              <a:buAutoNum type="arabicPeriod"/>
+            </a:pPr>
+            <a:r>
+              <a:rPr lang="en-US" dirty="0">
+                <a:latin typeface="Montserrat" panose="00000500000000000000" pitchFamily="2" charset="0"/>
+                <a:cs typeface="Calibri"/>
+              </a:rPr>
+              <a:t>User</a:t>
+            </a:r>
+          </a:p>
+          <a:p>
+            <a:pPr lvl="2">
+              <a:lnSpc>
+                <a:spcPct val="150000"/>
+              </a:lnSpc>
+              <a:buFont typeface="Wingdings" panose="05000000000000000000" pitchFamily="2" charset="2"/>
+              <a:buChar char="Ø"/>
+            </a:pPr>
+            <a:r>
+              <a:rPr lang="en-US" dirty="0">
+                <a:latin typeface="Montserrat" panose="00000500000000000000" pitchFamily="2" charset="0"/>
+                <a:cs typeface="Calibri"/>
+              </a:rPr>
+              <a:t> Look for a formula</a:t>
+            </a:r>
+          </a:p>
+          <a:p>
+            <a:pPr lvl="2">
+              <a:lnSpc>
+                <a:spcPct val="150000"/>
+              </a:lnSpc>
+              <a:buFont typeface="Wingdings" panose="05000000000000000000" pitchFamily="2" charset="2"/>
+              <a:buChar char="Ø"/>
+            </a:pPr>
+            <a:r>
+              <a:rPr lang="en-US" dirty="0">
+                <a:latin typeface="Montserrat" panose="00000500000000000000" pitchFamily="2" charset="0"/>
+                <a:cs typeface="Calibri"/>
+              </a:rPr>
+              <a:t>View formula sorted by subjects</a:t>
+            </a:r>
+          </a:p>
+          <a:p>
+            <a:pPr marL="914400" lvl="1" indent="-457200">
+              <a:lnSpc>
+                <a:spcPct val="150000"/>
+              </a:lnSpc>
+              <a:buFont typeface="+mj-lt"/>
+              <a:buAutoNum type="arabicPeriod"/>
+            </a:pPr>
+            <a:r>
+              <a:rPr lang="en-US" dirty="0">
+                <a:latin typeface="Montserrat" panose="00000500000000000000" pitchFamily="2" charset="0"/>
+                <a:cs typeface="Calibri"/>
+              </a:rPr>
+              <a:t>Guest</a:t>
+            </a:r>
+          </a:p>
+          <a:p>
+            <a:pPr lvl="2">
+              <a:lnSpc>
+                <a:spcPct val="150000"/>
+              </a:lnSpc>
+              <a:buFont typeface="Wingdings" panose="05000000000000000000" pitchFamily="2" charset="2"/>
+              <a:buChar char="Ø"/>
+            </a:pPr>
+            <a:r>
+              <a:rPr lang="en-US" dirty="0">
+                <a:latin typeface="Montserrat" panose="00000500000000000000" pitchFamily="2" charset="0"/>
+                <a:cs typeface="Calibri"/>
+              </a:rPr>
+              <a:t>View limited formulas</a:t>
+            </a:r>
+          </a:p>
+          <a:p>
+            <a:pPr marL="0" indent="0">
+              <a:buNone/>
+            </a:pPr>
+            <a:endParaRPr lang="en-US" dirty="0">
+              <a:latin typeface="Montserrat" panose="00000500000000000000" pitchFamily="2" charset="0"/>
+            </a:endParaRPr>
           </a:p>
         </p:txBody>
       </p:sp>
       <p:pic>
         <p:nvPicPr>
-          <p:cNvPr id="10" name="Content Placeholder 9">
-            <a:extLst>
-              <a:ext uri="{FF2B5EF4-FFF2-40B4-BE49-F238E27FC236}">
-                <a16:creationId xmlns:a16="http://schemas.microsoft.com/office/drawing/2014/main" id="{E5C67BE5-97FD-25B5-81CE-9268447BC01E}"/>
+          <p:cNvPr id="8" name="Content Placeholder 7">
+            <a:extLst>
+              <a:ext uri="{FF2B5EF4-FFF2-40B4-BE49-F238E27FC236}">
+                <a16:creationId xmlns:a16="http://schemas.microsoft.com/office/drawing/2014/main" id="{45ECB910-3B0E-0CBA-8F7B-31F797A1C471}"/>
               </a:ext>
             </a:extLst>
           </p:cNvPr>
@@ -4857,26 +5770,32 @@
             <a:picLocks noGrp="1" noChangeAspect="1"/>
           </p:cNvPicPr>
           <p:nvPr>
-            <p:ph idx="1"/>
+            <p:ph sz="half" idx="1"/>
           </p:nvPr>
         </p:nvPicPr>
         <p:blipFill>
-          <a:blip r:embed="rId2"/>
+          <a:blip r:embed="rId2">
+            <a:extLst>
+              <a:ext uri="{28A0092B-C50C-407E-A947-70E740481C1C}">
+                <a14:useLocalDpi xmlns:a14="http://schemas.microsoft.com/office/drawing/2010/main" val="0"/>
+              </a:ext>
+            </a:extLst>
+          </a:blip>
           <a:stretch>
             <a:fillRect/>
           </a:stretch>
         </p:blipFill>
         <p:spPr>
           <a:xfrm>
-            <a:off x="2195448" y="1825625"/>
-            <a:ext cx="7801103" cy="4351338"/>
+            <a:off x="1425677" y="1825625"/>
+            <a:ext cx="4178709" cy="4351338"/>
           </a:xfrm>
         </p:spPr>
       </p:pic>
     </p:spTree>
     <p:extLst>
       <p:ext uri="{BB962C8B-B14F-4D97-AF65-F5344CB8AC3E}">
-        <p14:creationId xmlns:p14="http://schemas.microsoft.com/office/powerpoint/2010/main" val="3979853194"/>
+        <p14:creationId xmlns:p14="http://schemas.microsoft.com/office/powerpoint/2010/main" val="3783443623"/>
       </p:ext>
     </p:extLst>
   </p:cSld>
@@ -4908,7 +5827,7 @@
           <p:cNvPr id="2" name="Title 1">
             <a:extLst>
               <a:ext uri="{FF2B5EF4-FFF2-40B4-BE49-F238E27FC236}">
-                <a16:creationId xmlns:a16="http://schemas.microsoft.com/office/drawing/2014/main" id="{D6741816-F571-F164-3126-7153A34C7655}"/>
+                <a16:creationId xmlns:a16="http://schemas.microsoft.com/office/drawing/2014/main" id="{B854AED5-711E-12EE-0488-052F10908149}"/>
               </a:ext>
             </a:extLst>
           </p:cNvPr>
@@ -4928,50 +5847,162 @@
           <a:p>
             <a:pPr algn="ctr"/>
             <a:r>
-              <a:rPr lang="en-US" sz="3200" b="1" dirty="0">
-                <a:latin typeface="Montserrat" panose="00000500000000000000" pitchFamily="2" charset="0"/>
-              </a:rPr>
-              <a:t>Login Page</a:t>
-            </a:r>
-            <a:endParaRPr lang="en-US" sz="3200" dirty="0">
-              <a:latin typeface="Monotype Corsiva" panose="03010101010201010101" pitchFamily="66" charset="0"/>
+              <a:rPr lang="en-US" sz="3200" b="1" i="0" dirty="0">
+                <a:solidFill>
+                  <a:srgbClr val="404040"/>
+                </a:solidFill>
+                <a:effectLst/>
+                <a:latin typeface="Montserrat" panose="00000500000000000000" pitchFamily="2" charset="0"/>
+              </a:rPr>
+              <a:t>Methodology</a:t>
+            </a:r>
+            <a:endParaRPr lang="en-US" sz="3200" dirty="0"/>
+          </a:p>
+        </p:txBody>
+      </p:sp>
+      <p:sp>
+        <p:nvSpPr>
+          <p:cNvPr id="3" name="Content Placeholder 2">
+            <a:extLst>
+              <a:ext uri="{FF2B5EF4-FFF2-40B4-BE49-F238E27FC236}">
+                <a16:creationId xmlns:a16="http://schemas.microsoft.com/office/drawing/2014/main" id="{451D4E24-37EF-592A-138D-1499B8718E5A}"/>
+              </a:ext>
+            </a:extLst>
+          </p:cNvPr>
+          <p:cNvSpPr>
+            <a:spLocks noGrp="1"/>
+          </p:cNvSpPr>
+          <p:nvPr>
+            <p:ph idx="1"/>
+          </p:nvPr>
+        </p:nvSpPr>
+        <p:spPr/>
+        <p:txBody>
+          <a:bodyPr>
+            <a:normAutofit fontScale="92500"/>
+          </a:bodyPr>
+          <a:lstStyle/>
+          <a:p>
+            <a:pPr algn="just"/>
+            <a:r>
+              <a:rPr lang="en-US" sz="2800" dirty="0">
+                <a:latin typeface="Montserrat" panose="00000500000000000000" pitchFamily="2" charset="0"/>
+              </a:rPr>
+              <a:t>The core programming of this project has been </a:t>
+            </a:r>
+            <a:r>
+              <a:rPr lang="en-US" dirty="0">
+                <a:latin typeface="Montserrat" panose="00000500000000000000" pitchFamily="2" charset="0"/>
+              </a:rPr>
+              <a:t>done</a:t>
+            </a:r>
+            <a:r>
+              <a:rPr lang="en-US" sz="2800" dirty="0">
+                <a:latin typeface="Montserrat" panose="00000500000000000000" pitchFamily="2" charset="0"/>
+              </a:rPr>
+              <a:t> using Qt 6.4.0 libraries and C++ .</a:t>
+            </a:r>
+            <a:endParaRPr lang="en-US" dirty="0">
+              <a:latin typeface="Montserrat" panose="00000500000000000000" pitchFamily="2" charset="0"/>
             </a:endParaRPr>
           </a:p>
-        </p:txBody>
-      </p:sp>
-      <p:pic>
-        <p:nvPicPr>
-          <p:cNvPr id="5" name="Content Placeholder 4">
-            <a:extLst>
-              <a:ext uri="{FF2B5EF4-FFF2-40B4-BE49-F238E27FC236}">
-                <a16:creationId xmlns:a16="http://schemas.microsoft.com/office/drawing/2014/main" id="{EA7DA5BE-55CA-DE9D-2EA5-E106ADB0BBF1}"/>
-              </a:ext>
-            </a:extLst>
-          </p:cNvPr>
-          <p:cNvPicPr>
-            <a:picLocks noGrp="1" noChangeAspect="1"/>
-          </p:cNvPicPr>
-          <p:nvPr>
-            <p:ph idx="1"/>
-          </p:nvPr>
-        </p:nvPicPr>
-        <p:blipFill>
-          <a:blip r:embed="rId2"/>
-          <a:stretch>
-            <a:fillRect/>
-          </a:stretch>
-        </p:blipFill>
-        <p:spPr>
-          <a:xfrm>
-            <a:off x="3025277" y="1825625"/>
-            <a:ext cx="6141445" cy="4351338"/>
-          </a:xfrm>
-        </p:spPr>
-      </p:pic>
+          <a:p>
+            <a:pPr marL="0" indent="0" algn="just">
+              <a:buNone/>
+            </a:pPr>
+            <a:endParaRPr lang="en-US" sz="2800" dirty="0">
+              <a:latin typeface="Montserrat" panose="00000500000000000000" pitchFamily="2" charset="0"/>
+            </a:endParaRPr>
+          </a:p>
+          <a:p>
+            <a:pPr algn="just"/>
+            <a:r>
+              <a:rPr lang="en-US" dirty="0">
+                <a:latin typeface="Montserrat" panose="00000500000000000000" pitchFamily="2" charset="0"/>
+              </a:rPr>
+              <a:t>Use of D</a:t>
+            </a:r>
+            <a:r>
+              <a:rPr lang="en-US" sz="2800" dirty="0">
+                <a:latin typeface="Montserrat" panose="00000500000000000000" pitchFamily="2" charset="0"/>
+              </a:rPr>
+              <a:t>atabase management system(MySQL) to </a:t>
+            </a:r>
+            <a:r>
+              <a:rPr lang="en-US" dirty="0">
+                <a:latin typeface="Montserrat" panose="00000500000000000000" pitchFamily="2" charset="0"/>
+              </a:rPr>
+              <a:t>organize</a:t>
+            </a:r>
+            <a:r>
+              <a:rPr lang="en-US" sz="2800" dirty="0">
+                <a:latin typeface="Montserrat" panose="00000500000000000000" pitchFamily="2" charset="0"/>
+              </a:rPr>
+              <a:t> the formulae and login credentials.</a:t>
+            </a:r>
+          </a:p>
+          <a:p>
+            <a:pPr marL="0" indent="0" algn="just">
+              <a:buNone/>
+            </a:pPr>
+            <a:endParaRPr lang="en-US" sz="2800" dirty="0">
+              <a:latin typeface="Montserrat" panose="00000500000000000000" pitchFamily="2" charset="0"/>
+            </a:endParaRPr>
+          </a:p>
+          <a:p>
+            <a:pPr algn="just"/>
+            <a:r>
+              <a:rPr lang="en-US" dirty="0">
+                <a:latin typeface="Montserrat" panose="00000500000000000000" pitchFamily="2" charset="0"/>
+              </a:rPr>
+              <a:t>Formulas are stored as image (.</a:t>
+            </a:r>
+            <a:r>
+              <a:rPr lang="en-US" dirty="0" err="1">
+                <a:latin typeface="Montserrat" panose="00000500000000000000" pitchFamily="2" charset="0"/>
+              </a:rPr>
+              <a:t>png</a:t>
+            </a:r>
+            <a:r>
+              <a:rPr lang="en-US" dirty="0">
+                <a:latin typeface="Montserrat" panose="00000500000000000000" pitchFamily="2" charset="0"/>
+              </a:rPr>
+              <a:t>) as resource files in Qt</a:t>
+            </a:r>
+          </a:p>
+          <a:p>
+            <a:pPr algn="just"/>
+            <a:endParaRPr lang="en-US" dirty="0">
+              <a:latin typeface="Montserrat" panose="00000500000000000000" pitchFamily="2" charset="0"/>
+            </a:endParaRPr>
+          </a:p>
+          <a:p>
+            <a:pPr algn="just"/>
+            <a:r>
+              <a:rPr lang="en-US" dirty="0">
+                <a:latin typeface="Montserrat" panose="00000500000000000000" pitchFamily="2" charset="0"/>
+              </a:rPr>
+              <a:t>The title and paths of formulas are stored in the database.</a:t>
+            </a:r>
+          </a:p>
+          <a:p>
+            <a:pPr algn="just"/>
+            <a:endParaRPr lang="en-US" sz="2800" dirty="0">
+              <a:latin typeface="Montserrat" panose="00000500000000000000" pitchFamily="2" charset="0"/>
+            </a:endParaRPr>
+          </a:p>
+          <a:p>
+            <a:pPr algn="just"/>
+            <a:endParaRPr lang="en-US" sz="2800" dirty="0">
+              <a:latin typeface="Montserrat" panose="00000500000000000000" pitchFamily="2" charset="0"/>
+            </a:endParaRPr>
+          </a:p>
+        </p:txBody>
+      </p:sp>
     </p:spTree>
     <p:extLst>
       <p:ext uri="{BB962C8B-B14F-4D97-AF65-F5344CB8AC3E}">
-        <p14:creationId xmlns:p14="http://schemas.microsoft.com/office/powerpoint/2010/main" val="3226094783"/>
+        <p14:creationId xmlns:p14="http://schemas.microsoft.com/office/powerpoint/2010/main" val="3861016299"/>
       </p:ext>
     </p:extLst>
   </p:cSld>
